--- a/DsDotNet/src/UnitTest/UnitTest.Model/ImportOfficeExample/Sample/Lib/Cylinder/Single.pptx
+++ b/DsDotNet/src/UnitTest/UnitTest.Model/ImportOfficeExample/Sample/Lib/Cylinder/Single.pptx
@@ -216,7 +216,7 @@
           <a:p>
             <a:fld id="{DD503887-5801-43A0-AEF9-041E8DDC2558}" type="datetimeFigureOut">
               <a:rPr lang="ko-KR" altLang="en-US" smtClean="0"/>
-              <a:t>2022-12-08</a:t>
+              <a:t>2023-08-16</a:t>
             </a:fld>
             <a:endParaRPr lang="ko-KR" altLang="en-US"/>
           </a:p>
@@ -393,7 +393,7 @@
           <a:p>
             <a:fld id="{95336A0E-57B1-4D4C-BD9B-2F72B5943464}" type="datetimeFigureOut">
               <a:rPr lang="ko-KR" altLang="en-US" smtClean="0"/>
-              <a:t>2022-12-08</a:t>
+              <a:t>2023-08-16</a:t>
             </a:fld>
             <a:endParaRPr lang="ko-KR" altLang="en-US"/>
           </a:p>
@@ -755,7 +755,7 @@
           <a:effectLst/>
           <a:extLst>
             <a:ext uri="{91240B29-F687-4f45-9708-019B960494DF}">
-              <a14:hiddenLine xmlns="" xmlns:a14="http://schemas.microsoft.com/office/drawing/2010/main" w="9525">
+              <a14:hiddenLine xmlns:a14="http://schemas.microsoft.com/office/drawing/2010/main" xmlns="" w="9525">
                 <a:solidFill>
                   <a:srgbClr val="000000"/>
                 </a:solidFill>
@@ -947,7 +947,7 @@
           <a:p>
             <a:fld id="{DEA6EBF0-8E22-42A7-9BEA-2AC7066E6498}" type="datetimeFigureOut">
               <a:rPr lang="ko-KR" altLang="en-US" smtClean="0"/>
-              <a:t>2022-12-08</a:t>
+              <a:t>2023-08-16</a:t>
             </a:fld>
             <a:endParaRPr lang="ko-KR" altLang="en-US"/>
           </a:p>
@@ -1265,7 +1265,7 @@
           <a:p>
             <a:fld id="{DEA6EBF0-8E22-42A7-9BEA-2AC7066E6498}" type="datetimeFigureOut">
               <a:rPr lang="ko-KR" altLang="en-US" smtClean="0"/>
-              <a:t>2022-12-08</a:t>
+              <a:t>2023-08-16</a:t>
             </a:fld>
             <a:endParaRPr lang="ko-KR" altLang="en-US"/>
           </a:p>
@@ -1753,7 +1753,7 @@
           <a:p>
             <a:fld id="{DEA6EBF0-8E22-42A7-9BEA-2AC7066E6498}" type="datetimeFigureOut">
               <a:rPr lang="ko-KR" altLang="en-US" smtClean="0"/>
-              <a:t>2022-12-08</a:t>
+              <a:t>2023-08-16</a:t>
             </a:fld>
             <a:endParaRPr lang="ko-KR" altLang="en-US"/>
           </a:p>
@@ -2122,7 +2122,7 @@
           <a:p>
             <a:fld id="{DEA6EBF0-8E22-42A7-9BEA-2AC7066E6498}" type="datetimeFigureOut">
               <a:rPr lang="ko-KR" altLang="en-US" smtClean="0"/>
-              <a:t>2022-12-08</a:t>
+              <a:t>2023-08-16</a:t>
             </a:fld>
             <a:endParaRPr lang="ko-KR" altLang="en-US"/>
           </a:p>
@@ -2277,7 +2277,7 @@
           <a:ln/>
           <a:extLst>
             <a:ext uri="{91240B29-F687-4f45-9708-019B960494DF}">
-              <a14:hiddenLine xmlns="" xmlns:a14="http://schemas.microsoft.com/office/drawing/2010/main" w="9525">
+              <a14:hiddenLine xmlns:a14="http://schemas.microsoft.com/office/drawing/2010/main" xmlns="" w="9525">
                 <a:solidFill>
                   <a:srgbClr val="000000"/>
                 </a:solidFill>
@@ -2395,7 +2395,7 @@
           <a:p>
             <a:fld id="{DEA6EBF0-8E22-42A7-9BEA-2AC7066E6498}" type="datetimeFigureOut">
               <a:rPr lang="ko-KR" altLang="en-US" smtClean="0"/>
-              <a:t>2022-12-08</a:t>
+              <a:t>2023-08-16</a:t>
             </a:fld>
             <a:endParaRPr lang="ko-KR" altLang="en-US"/>
           </a:p>
@@ -2552,7 +2552,7 @@
           <a:ln/>
           <a:extLst>
             <a:ext uri="{91240B29-F687-4f45-9708-019B960494DF}">
-              <a14:hiddenLine xmlns="" xmlns:a14="http://schemas.microsoft.com/office/drawing/2010/main" w="9525">
+              <a14:hiddenLine xmlns:a14="http://schemas.microsoft.com/office/drawing/2010/main" xmlns="" w="9525">
                 <a:solidFill>
                   <a:srgbClr val="000000"/>
                 </a:solidFill>
@@ -2680,7 +2680,7 @@
           <a:p>
             <a:fld id="{DEA6EBF0-8E22-42A7-9BEA-2AC7066E6498}" type="datetimeFigureOut">
               <a:rPr lang="ko-KR" altLang="en-US" smtClean="0"/>
-              <a:t>2022-12-08</a:t>
+              <a:t>2023-08-16</a:t>
             </a:fld>
             <a:endParaRPr lang="ko-KR" altLang="en-US"/>
           </a:p>
@@ -2798,7 +2798,7 @@
           <a:p>
             <a:fld id="{DEA6EBF0-8E22-42A7-9BEA-2AC7066E6498}" type="datetimeFigureOut">
               <a:rPr lang="ko-KR" altLang="en-US" smtClean="0"/>
-              <a:t>2022-12-08</a:t>
+              <a:t>2023-08-16</a:t>
             </a:fld>
             <a:endParaRPr lang="ko-KR" altLang="en-US"/>
           </a:p>
@@ -2953,7 +2953,7 @@
           <a:ln/>
           <a:extLst>
             <a:ext uri="{91240B29-F687-4f45-9708-019B960494DF}">
-              <a14:hiddenLine xmlns="" xmlns:a14="http://schemas.microsoft.com/office/drawing/2010/main" w="9525">
+              <a14:hiddenLine xmlns:a14="http://schemas.microsoft.com/office/drawing/2010/main" xmlns="" w="9525">
                 <a:solidFill>
                   <a:srgbClr val="000000"/>
                 </a:solidFill>
@@ -3081,7 +3081,7 @@
           <a:p>
             <a:fld id="{DEA6EBF0-8E22-42A7-9BEA-2AC7066E6498}" type="datetimeFigureOut">
               <a:rPr lang="ko-KR" altLang="en-US" smtClean="0"/>
-              <a:t>2022-12-08</a:t>
+              <a:t>2023-08-16</a:t>
             </a:fld>
             <a:endParaRPr lang="ko-KR" altLang="en-US"/>
           </a:p>
@@ -3424,7 +3424,7 @@
           <a:p>
             <a:fld id="{DEA6EBF0-8E22-42A7-9BEA-2AC7066E6498}" type="datetimeFigureOut">
               <a:rPr lang="ko-KR" altLang="en-US" smtClean="0"/>
-              <a:t>2022-12-08</a:t>
+              <a:t>2023-08-16</a:t>
             </a:fld>
             <a:endParaRPr lang="ko-KR" altLang="en-US"/>
           </a:p>
@@ -3579,7 +3579,7 @@
           <a:ln/>
           <a:extLst>
             <a:ext uri="{91240B29-F687-4f45-9708-019B960494DF}">
-              <a14:hiddenLine xmlns="" xmlns:a14="http://schemas.microsoft.com/office/drawing/2010/main" w="9525">
+              <a14:hiddenLine xmlns:a14="http://schemas.microsoft.com/office/drawing/2010/main" xmlns="" w="9525">
                 <a:solidFill>
                   <a:srgbClr val="000000"/>
                 </a:solidFill>
@@ -3763,7 +3763,7 @@
           <a:p>
             <a:fld id="{DEA6EBF0-8E22-42A7-9BEA-2AC7066E6498}" type="datetimeFigureOut">
               <a:rPr lang="ko-KR" altLang="en-US" smtClean="0"/>
-              <a:t>2022-12-08</a:t>
+              <a:t>2023-08-16</a:t>
             </a:fld>
             <a:endParaRPr lang="ko-KR" altLang="en-US"/>
           </a:p>
@@ -3918,7 +3918,7 @@
           <a:ln/>
           <a:extLst>
             <a:ext uri="{91240B29-F687-4f45-9708-019B960494DF}">
-              <a14:hiddenLine xmlns="" xmlns:a14="http://schemas.microsoft.com/office/drawing/2010/main" w="9525">
+              <a14:hiddenLine xmlns:a14="http://schemas.microsoft.com/office/drawing/2010/main" xmlns="" w="9525">
                 <a:solidFill>
                   <a:srgbClr val="000000"/>
                 </a:solidFill>
@@ -4240,7 +4240,7 @@
           <a:p>
             <a:fld id="{DEA6EBF0-8E22-42A7-9BEA-2AC7066E6498}" type="datetimeFigureOut">
               <a:rPr lang="ko-KR" altLang="en-US" smtClean="0"/>
-              <a:t>2022-12-08</a:t>
+              <a:t>2023-08-16</a:t>
             </a:fld>
             <a:endParaRPr lang="ko-KR" altLang="en-US"/>
           </a:p>
@@ -4335,7 +4335,7 @@
           <a:p>
             <a:fld id="{DEA6EBF0-8E22-42A7-9BEA-2AC7066E6498}" type="datetimeFigureOut">
               <a:rPr lang="ko-KR" altLang="en-US" smtClean="0"/>
-              <a:t>2022-12-08</a:t>
+              <a:t>2023-08-16</a:t>
             </a:fld>
             <a:endParaRPr lang="ko-KR" altLang="en-US"/>
           </a:p>
@@ -4603,7 +4603,7 @@
           <a:ln/>
           <a:extLst>
             <a:ext uri="{91240B29-F687-4f45-9708-019B960494DF}">
-              <a14:hiddenLine xmlns="" xmlns:a14="http://schemas.microsoft.com/office/drawing/2010/main" w="9525">
+              <a14:hiddenLine xmlns:a14="http://schemas.microsoft.com/office/drawing/2010/main" xmlns="" w="9525">
                 <a:solidFill>
                   <a:srgbClr val="000000"/>
                 </a:solidFill>
@@ -4802,7 +4802,7 @@
           <a:p>
             <a:fld id="{DEA6EBF0-8E22-42A7-9BEA-2AC7066E6498}" type="datetimeFigureOut">
               <a:rPr lang="ko-KR" altLang="en-US" smtClean="0"/>
-              <a:t>2022-12-08</a:t>
+              <a:t>2023-08-16</a:t>
             </a:fld>
             <a:endParaRPr lang="ko-KR" altLang="en-US"/>
           </a:p>
@@ -5115,7 +5115,7 @@
           <a:p>
             <a:fld id="{DEA6EBF0-8E22-42A7-9BEA-2AC7066E6498}" type="datetimeFigureOut">
               <a:rPr lang="ko-KR" altLang="en-US" smtClean="0"/>
-              <a:t>2022-12-08</a:t>
+              <a:t>2023-08-16</a:t>
             </a:fld>
             <a:endParaRPr lang="ko-KR" altLang="en-US"/>
           </a:p>
@@ -5385,7 +5385,7 @@
           <a:p>
             <a:fld id="{DEA6EBF0-8E22-42A7-9BEA-2AC7066E6498}" type="datetimeFigureOut">
               <a:rPr lang="ko-KR" altLang="en-US" smtClean="0"/>
-              <a:t>2022-12-08</a:t>
+              <a:t>2023-08-16</a:t>
             </a:fld>
             <a:endParaRPr lang="ko-KR" altLang="en-US"/>
           </a:p>
@@ -6851,15 +6851,16 @@
             </a:extLst>
           </p:cNvPr>
           <p:cNvCxnSpPr>
-            <a:stCxn id="56" idx="2"/>
+            <a:cxnSpLocks/>
+            <a:stCxn id="57" idx="2"/>
             <a:endCxn id="69" idx="0"/>
           </p:cNvCxnSpPr>
           <p:nvPr/>
         </p:nvCxnSpPr>
         <p:spPr>
           <a:xfrm>
-            <a:off x="2076044" y="4057745"/>
-            <a:ext cx="4513943" cy="1089996"/>
+            <a:off x="3861301" y="4057745"/>
+            <a:ext cx="2728686" cy="1089996"/>
           </a:xfrm>
           <a:prstGeom prst="straightConnector1">
             <a:avLst/>
@@ -6896,15 +6897,15 @@
           </p:cNvPr>
           <p:cNvCxnSpPr>
             <a:cxnSpLocks/>
-            <a:stCxn id="67" idx="0"/>
+            <a:stCxn id="68" idx="0"/>
             <a:endCxn id="58" idx="2"/>
           </p:cNvCxnSpPr>
           <p:nvPr/>
         </p:nvCxnSpPr>
         <p:spPr>
           <a:xfrm flipV="1">
-            <a:off x="3019473" y="4057745"/>
-            <a:ext cx="2627085" cy="1089996"/>
+            <a:off x="4804730" y="4057745"/>
+            <a:ext cx="841828" cy="1089996"/>
           </a:xfrm>
           <a:prstGeom prst="straightConnector1">
             <a:avLst/>

--- a/DsDotNet/src/UnitTest/UnitTest.Model/ImportOfficeExample/Sample/Lib/Cylinder/Single.pptx
+++ b/DsDotNet/src/UnitTest/UnitTest.Model/ImportOfficeExample/Sample/Lib/Cylinder/Single.pptx
@@ -216,7 +216,7 @@
           <a:p>
             <a:fld id="{DD503887-5801-43A0-AEF9-041E8DDC2558}" type="datetimeFigureOut">
               <a:rPr lang="ko-KR" altLang="en-US" smtClean="0"/>
-              <a:t>2023-08-16</a:t>
+              <a:t>2022-12-08</a:t>
             </a:fld>
             <a:endParaRPr lang="ko-KR" altLang="en-US"/>
           </a:p>
@@ -393,7 +393,7 @@
           <a:p>
             <a:fld id="{95336A0E-57B1-4D4C-BD9B-2F72B5943464}" type="datetimeFigureOut">
               <a:rPr lang="ko-KR" altLang="en-US" smtClean="0"/>
-              <a:t>2023-08-16</a:t>
+              <a:t>2022-12-08</a:t>
             </a:fld>
             <a:endParaRPr lang="ko-KR" altLang="en-US"/>
           </a:p>
@@ -755,7 +755,7 @@
           <a:effectLst/>
           <a:extLst>
             <a:ext uri="{91240B29-F687-4f45-9708-019B960494DF}">
-              <a14:hiddenLine xmlns:a14="http://schemas.microsoft.com/office/drawing/2010/main" xmlns="" w="9525">
+              <a14:hiddenLine xmlns="" xmlns:a14="http://schemas.microsoft.com/office/drawing/2010/main" w="9525">
                 <a:solidFill>
                   <a:srgbClr val="000000"/>
                 </a:solidFill>
@@ -947,7 +947,7 @@
           <a:p>
             <a:fld id="{DEA6EBF0-8E22-42A7-9BEA-2AC7066E6498}" type="datetimeFigureOut">
               <a:rPr lang="ko-KR" altLang="en-US" smtClean="0"/>
-              <a:t>2023-08-16</a:t>
+              <a:t>2022-12-08</a:t>
             </a:fld>
             <a:endParaRPr lang="ko-KR" altLang="en-US"/>
           </a:p>
@@ -1265,7 +1265,7 @@
           <a:p>
             <a:fld id="{DEA6EBF0-8E22-42A7-9BEA-2AC7066E6498}" type="datetimeFigureOut">
               <a:rPr lang="ko-KR" altLang="en-US" smtClean="0"/>
-              <a:t>2023-08-16</a:t>
+              <a:t>2022-12-08</a:t>
             </a:fld>
             <a:endParaRPr lang="ko-KR" altLang="en-US"/>
           </a:p>
@@ -1753,7 +1753,7 @@
           <a:p>
             <a:fld id="{DEA6EBF0-8E22-42A7-9BEA-2AC7066E6498}" type="datetimeFigureOut">
               <a:rPr lang="ko-KR" altLang="en-US" smtClean="0"/>
-              <a:t>2023-08-16</a:t>
+              <a:t>2022-12-08</a:t>
             </a:fld>
             <a:endParaRPr lang="ko-KR" altLang="en-US"/>
           </a:p>
@@ -2122,7 +2122,7 @@
           <a:p>
             <a:fld id="{DEA6EBF0-8E22-42A7-9BEA-2AC7066E6498}" type="datetimeFigureOut">
               <a:rPr lang="ko-KR" altLang="en-US" smtClean="0"/>
-              <a:t>2023-08-16</a:t>
+              <a:t>2022-12-08</a:t>
             </a:fld>
             <a:endParaRPr lang="ko-KR" altLang="en-US"/>
           </a:p>
@@ -2277,7 +2277,7 @@
           <a:ln/>
           <a:extLst>
             <a:ext uri="{91240B29-F687-4f45-9708-019B960494DF}">
-              <a14:hiddenLine xmlns:a14="http://schemas.microsoft.com/office/drawing/2010/main" xmlns="" w="9525">
+              <a14:hiddenLine xmlns="" xmlns:a14="http://schemas.microsoft.com/office/drawing/2010/main" w="9525">
                 <a:solidFill>
                   <a:srgbClr val="000000"/>
                 </a:solidFill>
@@ -2395,7 +2395,7 @@
           <a:p>
             <a:fld id="{DEA6EBF0-8E22-42A7-9BEA-2AC7066E6498}" type="datetimeFigureOut">
               <a:rPr lang="ko-KR" altLang="en-US" smtClean="0"/>
-              <a:t>2023-08-16</a:t>
+              <a:t>2022-12-08</a:t>
             </a:fld>
             <a:endParaRPr lang="ko-KR" altLang="en-US"/>
           </a:p>
@@ -2552,7 +2552,7 @@
           <a:ln/>
           <a:extLst>
             <a:ext uri="{91240B29-F687-4f45-9708-019B960494DF}">
-              <a14:hiddenLine xmlns:a14="http://schemas.microsoft.com/office/drawing/2010/main" xmlns="" w="9525">
+              <a14:hiddenLine xmlns="" xmlns:a14="http://schemas.microsoft.com/office/drawing/2010/main" w="9525">
                 <a:solidFill>
                   <a:srgbClr val="000000"/>
                 </a:solidFill>
@@ -2680,7 +2680,7 @@
           <a:p>
             <a:fld id="{DEA6EBF0-8E22-42A7-9BEA-2AC7066E6498}" type="datetimeFigureOut">
               <a:rPr lang="ko-KR" altLang="en-US" smtClean="0"/>
-              <a:t>2023-08-16</a:t>
+              <a:t>2022-12-08</a:t>
             </a:fld>
             <a:endParaRPr lang="ko-KR" altLang="en-US"/>
           </a:p>
@@ -2798,7 +2798,7 @@
           <a:p>
             <a:fld id="{DEA6EBF0-8E22-42A7-9BEA-2AC7066E6498}" type="datetimeFigureOut">
               <a:rPr lang="ko-KR" altLang="en-US" smtClean="0"/>
-              <a:t>2023-08-16</a:t>
+              <a:t>2022-12-08</a:t>
             </a:fld>
             <a:endParaRPr lang="ko-KR" altLang="en-US"/>
           </a:p>
@@ -2953,7 +2953,7 @@
           <a:ln/>
           <a:extLst>
             <a:ext uri="{91240B29-F687-4f45-9708-019B960494DF}">
-              <a14:hiddenLine xmlns:a14="http://schemas.microsoft.com/office/drawing/2010/main" xmlns="" w="9525">
+              <a14:hiddenLine xmlns="" xmlns:a14="http://schemas.microsoft.com/office/drawing/2010/main" w="9525">
                 <a:solidFill>
                   <a:srgbClr val="000000"/>
                 </a:solidFill>
@@ -3081,7 +3081,7 @@
           <a:p>
             <a:fld id="{DEA6EBF0-8E22-42A7-9BEA-2AC7066E6498}" type="datetimeFigureOut">
               <a:rPr lang="ko-KR" altLang="en-US" smtClean="0"/>
-              <a:t>2023-08-16</a:t>
+              <a:t>2022-12-08</a:t>
             </a:fld>
             <a:endParaRPr lang="ko-KR" altLang="en-US"/>
           </a:p>
@@ -3424,7 +3424,7 @@
           <a:p>
             <a:fld id="{DEA6EBF0-8E22-42A7-9BEA-2AC7066E6498}" type="datetimeFigureOut">
               <a:rPr lang="ko-KR" altLang="en-US" smtClean="0"/>
-              <a:t>2023-08-16</a:t>
+              <a:t>2022-12-08</a:t>
             </a:fld>
             <a:endParaRPr lang="ko-KR" altLang="en-US"/>
           </a:p>
@@ -3579,7 +3579,7 @@
           <a:ln/>
           <a:extLst>
             <a:ext uri="{91240B29-F687-4f45-9708-019B960494DF}">
-              <a14:hiddenLine xmlns:a14="http://schemas.microsoft.com/office/drawing/2010/main" xmlns="" w="9525">
+              <a14:hiddenLine xmlns="" xmlns:a14="http://schemas.microsoft.com/office/drawing/2010/main" w="9525">
                 <a:solidFill>
                   <a:srgbClr val="000000"/>
                 </a:solidFill>
@@ -3763,7 +3763,7 @@
           <a:p>
             <a:fld id="{DEA6EBF0-8E22-42A7-9BEA-2AC7066E6498}" type="datetimeFigureOut">
               <a:rPr lang="ko-KR" altLang="en-US" smtClean="0"/>
-              <a:t>2023-08-16</a:t>
+              <a:t>2022-12-08</a:t>
             </a:fld>
             <a:endParaRPr lang="ko-KR" altLang="en-US"/>
           </a:p>
@@ -3918,7 +3918,7 @@
           <a:ln/>
           <a:extLst>
             <a:ext uri="{91240B29-F687-4f45-9708-019B960494DF}">
-              <a14:hiddenLine xmlns:a14="http://schemas.microsoft.com/office/drawing/2010/main" xmlns="" w="9525">
+              <a14:hiddenLine xmlns="" xmlns:a14="http://schemas.microsoft.com/office/drawing/2010/main" w="9525">
                 <a:solidFill>
                   <a:srgbClr val="000000"/>
                 </a:solidFill>
@@ -4240,7 +4240,7 @@
           <a:p>
             <a:fld id="{DEA6EBF0-8E22-42A7-9BEA-2AC7066E6498}" type="datetimeFigureOut">
               <a:rPr lang="ko-KR" altLang="en-US" smtClean="0"/>
-              <a:t>2023-08-16</a:t>
+              <a:t>2022-12-08</a:t>
             </a:fld>
             <a:endParaRPr lang="ko-KR" altLang="en-US"/>
           </a:p>
@@ -4335,7 +4335,7 @@
           <a:p>
             <a:fld id="{DEA6EBF0-8E22-42A7-9BEA-2AC7066E6498}" type="datetimeFigureOut">
               <a:rPr lang="ko-KR" altLang="en-US" smtClean="0"/>
-              <a:t>2023-08-16</a:t>
+              <a:t>2022-12-08</a:t>
             </a:fld>
             <a:endParaRPr lang="ko-KR" altLang="en-US"/>
           </a:p>
@@ -4603,7 +4603,7 @@
           <a:ln/>
           <a:extLst>
             <a:ext uri="{91240B29-F687-4f45-9708-019B960494DF}">
-              <a14:hiddenLine xmlns:a14="http://schemas.microsoft.com/office/drawing/2010/main" xmlns="" w="9525">
+              <a14:hiddenLine xmlns="" xmlns:a14="http://schemas.microsoft.com/office/drawing/2010/main" w="9525">
                 <a:solidFill>
                   <a:srgbClr val="000000"/>
                 </a:solidFill>
@@ -4802,7 +4802,7 @@
           <a:p>
             <a:fld id="{DEA6EBF0-8E22-42A7-9BEA-2AC7066E6498}" type="datetimeFigureOut">
               <a:rPr lang="ko-KR" altLang="en-US" smtClean="0"/>
-              <a:t>2023-08-16</a:t>
+              <a:t>2022-12-08</a:t>
             </a:fld>
             <a:endParaRPr lang="ko-KR" altLang="en-US"/>
           </a:p>
@@ -5115,7 +5115,7 @@
           <a:p>
             <a:fld id="{DEA6EBF0-8E22-42A7-9BEA-2AC7066E6498}" type="datetimeFigureOut">
               <a:rPr lang="ko-KR" altLang="en-US" smtClean="0"/>
-              <a:t>2023-08-16</a:t>
+              <a:t>2022-12-08</a:t>
             </a:fld>
             <a:endParaRPr lang="ko-KR" altLang="en-US"/>
           </a:p>
@@ -5385,7 +5385,7 @@
           <a:p>
             <a:fld id="{DEA6EBF0-8E22-42A7-9BEA-2AC7066E6498}" type="datetimeFigureOut">
               <a:rPr lang="ko-KR" altLang="en-US" smtClean="0"/>
-              <a:t>2023-08-16</a:t>
+              <a:t>2022-12-08</a:t>
             </a:fld>
             <a:endParaRPr lang="ko-KR" altLang="en-US"/>
           </a:p>
@@ -6851,16 +6851,15 @@
             </a:extLst>
           </p:cNvPr>
           <p:cNvCxnSpPr>
-            <a:cxnSpLocks/>
-            <a:stCxn id="57" idx="2"/>
+            <a:stCxn id="56" idx="2"/>
             <a:endCxn id="69" idx="0"/>
           </p:cNvCxnSpPr>
           <p:nvPr/>
         </p:nvCxnSpPr>
         <p:spPr>
           <a:xfrm>
-            <a:off x="3861301" y="4057745"/>
-            <a:ext cx="2728686" cy="1089996"/>
+            <a:off x="2076044" y="4057745"/>
+            <a:ext cx="4513943" cy="1089996"/>
           </a:xfrm>
           <a:prstGeom prst="straightConnector1">
             <a:avLst/>
@@ -6897,15 +6896,15 @@
           </p:cNvPr>
           <p:cNvCxnSpPr>
             <a:cxnSpLocks/>
-            <a:stCxn id="68" idx="0"/>
+            <a:stCxn id="67" idx="0"/>
             <a:endCxn id="58" idx="2"/>
           </p:cNvCxnSpPr>
           <p:nvPr/>
         </p:nvCxnSpPr>
         <p:spPr>
           <a:xfrm flipV="1">
-            <a:off x="4804730" y="4057745"/>
-            <a:ext cx="841828" cy="1089996"/>
+            <a:off x="3019473" y="4057745"/>
+            <a:ext cx="2627085" cy="1089996"/>
           </a:xfrm>
           <a:prstGeom prst="straightConnector1">
             <a:avLst/>

--- a/DsDotNet/src/UnitTest/UnitTest.Model/ImportOfficeExample/Sample/Lib/Cylinder/Single.pptx
+++ b/DsDotNet/src/UnitTest/UnitTest.Model/ImportOfficeExample/Sample/Lib/Cylinder/Single.pptx
@@ -216,7 +216,7 @@
           <a:p>
             <a:fld id="{DD503887-5801-43A0-AEF9-041E8DDC2558}" type="datetimeFigureOut">
               <a:rPr lang="ko-KR" altLang="en-US" smtClean="0"/>
-              <a:t>2022-12-08</a:t>
+              <a:t>2023-09-04</a:t>
             </a:fld>
             <a:endParaRPr lang="ko-KR" altLang="en-US"/>
           </a:p>
@@ -393,7 +393,7 @@
           <a:p>
             <a:fld id="{95336A0E-57B1-4D4C-BD9B-2F72B5943464}" type="datetimeFigureOut">
               <a:rPr lang="ko-KR" altLang="en-US" smtClean="0"/>
-              <a:t>2022-12-08</a:t>
+              <a:t>2023-09-04</a:t>
             </a:fld>
             <a:endParaRPr lang="ko-KR" altLang="en-US"/>
           </a:p>
@@ -947,7 +947,7 @@
           <a:p>
             <a:fld id="{DEA6EBF0-8E22-42A7-9BEA-2AC7066E6498}" type="datetimeFigureOut">
               <a:rPr lang="ko-KR" altLang="en-US" smtClean="0"/>
-              <a:t>2022-12-08</a:t>
+              <a:t>2023-09-04</a:t>
             </a:fld>
             <a:endParaRPr lang="ko-KR" altLang="en-US"/>
           </a:p>
@@ -1265,7 +1265,7 @@
           <a:p>
             <a:fld id="{DEA6EBF0-8E22-42A7-9BEA-2AC7066E6498}" type="datetimeFigureOut">
               <a:rPr lang="ko-KR" altLang="en-US" smtClean="0"/>
-              <a:t>2022-12-08</a:t>
+              <a:t>2023-09-04</a:t>
             </a:fld>
             <a:endParaRPr lang="ko-KR" altLang="en-US"/>
           </a:p>
@@ -1753,7 +1753,7 @@
           <a:p>
             <a:fld id="{DEA6EBF0-8E22-42A7-9BEA-2AC7066E6498}" type="datetimeFigureOut">
               <a:rPr lang="ko-KR" altLang="en-US" smtClean="0"/>
-              <a:t>2022-12-08</a:t>
+              <a:t>2023-09-04</a:t>
             </a:fld>
             <a:endParaRPr lang="ko-KR" altLang="en-US"/>
           </a:p>
@@ -2122,7 +2122,7 @@
           <a:p>
             <a:fld id="{DEA6EBF0-8E22-42A7-9BEA-2AC7066E6498}" type="datetimeFigureOut">
               <a:rPr lang="ko-KR" altLang="en-US" smtClean="0"/>
-              <a:t>2022-12-08</a:t>
+              <a:t>2023-09-04</a:t>
             </a:fld>
             <a:endParaRPr lang="ko-KR" altLang="en-US"/>
           </a:p>
@@ -2395,7 +2395,7 @@
           <a:p>
             <a:fld id="{DEA6EBF0-8E22-42A7-9BEA-2AC7066E6498}" type="datetimeFigureOut">
               <a:rPr lang="ko-KR" altLang="en-US" smtClean="0"/>
-              <a:t>2022-12-08</a:t>
+              <a:t>2023-09-04</a:t>
             </a:fld>
             <a:endParaRPr lang="ko-KR" altLang="en-US"/>
           </a:p>
@@ -2680,7 +2680,7 @@
           <a:p>
             <a:fld id="{DEA6EBF0-8E22-42A7-9BEA-2AC7066E6498}" type="datetimeFigureOut">
               <a:rPr lang="ko-KR" altLang="en-US" smtClean="0"/>
-              <a:t>2022-12-08</a:t>
+              <a:t>2023-09-04</a:t>
             </a:fld>
             <a:endParaRPr lang="ko-KR" altLang="en-US"/>
           </a:p>
@@ -2798,7 +2798,7 @@
           <a:p>
             <a:fld id="{DEA6EBF0-8E22-42A7-9BEA-2AC7066E6498}" type="datetimeFigureOut">
               <a:rPr lang="ko-KR" altLang="en-US" smtClean="0"/>
-              <a:t>2022-12-08</a:t>
+              <a:t>2023-09-04</a:t>
             </a:fld>
             <a:endParaRPr lang="ko-KR" altLang="en-US"/>
           </a:p>
@@ -3081,7 +3081,7 @@
           <a:p>
             <a:fld id="{DEA6EBF0-8E22-42A7-9BEA-2AC7066E6498}" type="datetimeFigureOut">
               <a:rPr lang="ko-KR" altLang="en-US" smtClean="0"/>
-              <a:t>2022-12-08</a:t>
+              <a:t>2023-09-04</a:t>
             </a:fld>
             <a:endParaRPr lang="ko-KR" altLang="en-US"/>
           </a:p>
@@ -3424,7 +3424,7 @@
           <a:p>
             <a:fld id="{DEA6EBF0-8E22-42A7-9BEA-2AC7066E6498}" type="datetimeFigureOut">
               <a:rPr lang="ko-KR" altLang="en-US" smtClean="0"/>
-              <a:t>2022-12-08</a:t>
+              <a:t>2023-09-04</a:t>
             </a:fld>
             <a:endParaRPr lang="ko-KR" altLang="en-US"/>
           </a:p>
@@ -3763,7 +3763,7 @@
           <a:p>
             <a:fld id="{DEA6EBF0-8E22-42A7-9BEA-2AC7066E6498}" type="datetimeFigureOut">
               <a:rPr lang="ko-KR" altLang="en-US" smtClean="0"/>
-              <a:t>2022-12-08</a:t>
+              <a:t>2023-09-04</a:t>
             </a:fld>
             <a:endParaRPr lang="ko-KR" altLang="en-US"/>
           </a:p>
@@ -4240,7 +4240,7 @@
           <a:p>
             <a:fld id="{DEA6EBF0-8E22-42A7-9BEA-2AC7066E6498}" type="datetimeFigureOut">
               <a:rPr lang="ko-KR" altLang="en-US" smtClean="0"/>
-              <a:t>2022-12-08</a:t>
+              <a:t>2023-09-04</a:t>
             </a:fld>
             <a:endParaRPr lang="ko-KR" altLang="en-US"/>
           </a:p>
@@ -4335,7 +4335,7 @@
           <a:p>
             <a:fld id="{DEA6EBF0-8E22-42A7-9BEA-2AC7066E6498}" type="datetimeFigureOut">
               <a:rPr lang="ko-KR" altLang="en-US" smtClean="0"/>
-              <a:t>2022-12-08</a:t>
+              <a:t>2023-09-04</a:t>
             </a:fld>
             <a:endParaRPr lang="ko-KR" altLang="en-US"/>
           </a:p>
@@ -4802,7 +4802,7 @@
           <a:p>
             <a:fld id="{DEA6EBF0-8E22-42A7-9BEA-2AC7066E6498}" type="datetimeFigureOut">
               <a:rPr lang="ko-KR" altLang="en-US" smtClean="0"/>
-              <a:t>2022-12-08</a:t>
+              <a:t>2023-09-04</a:t>
             </a:fld>
             <a:endParaRPr lang="ko-KR" altLang="en-US"/>
           </a:p>
@@ -5115,7 +5115,7 @@
           <a:p>
             <a:fld id="{DEA6EBF0-8E22-42A7-9BEA-2AC7066E6498}" type="datetimeFigureOut">
               <a:rPr lang="ko-KR" altLang="en-US" smtClean="0"/>
-              <a:t>2022-12-08</a:t>
+              <a:t>2023-09-04</a:t>
             </a:fld>
             <a:endParaRPr lang="ko-KR" altLang="en-US"/>
           </a:p>
@@ -5385,7 +5385,7 @@
           <a:p>
             <a:fld id="{DEA6EBF0-8E22-42A7-9BEA-2AC7066E6498}" type="datetimeFigureOut">
               <a:rPr lang="ko-KR" altLang="en-US" smtClean="0"/>
-              <a:t>2022-12-08</a:t>
+              <a:t>2023-09-04</a:t>
             </a:fld>
             <a:endParaRPr lang="ko-KR" altLang="en-US"/>
           </a:p>
@@ -5818,7 +5818,7 @@
 </file>
 
 <file path=ppt/slides/slide1.xml><?xml version="1.0" encoding="utf-8"?>
-<p:sld xmlns:a="http://schemas.openxmlformats.org/drawingml/2006/main" xmlns:r="http://schemas.openxmlformats.org/officeDocument/2006/relationships" xmlns:p="http://schemas.openxmlformats.org/presentationml/2006/main">
+<p:sld xmlns:a="http://schemas.openxmlformats.org/drawingml/2006/main" xmlns:r="http://schemas.openxmlformats.org/officeDocument/2006/relationships" xmlns:p="http://schemas.openxmlformats.org/presentationml/2006/main" show="0">
   <p:cSld>
     <p:spTree>
       <p:nvGrpSpPr>
@@ -5893,7 +5893,7 @@
           <a:p>
             <a:r>
               <a:rPr lang="ko-KR" altLang="en-US" dirty="0"/>
-              <a:t>단동 </a:t>
+              <a:t>복동 </a:t>
             </a:r>
             <a:r>
               <a:rPr lang="en-US" altLang="ko-KR" dirty="0"/>
@@ -5979,7 +5979,7 @@
         </p:nvSpPr>
         <p:spPr>
           <a:xfrm>
-            <a:off x="1524501" y="2991314"/>
+            <a:off x="1927624" y="2991314"/>
             <a:ext cx="1103086" cy="1066431"/>
           </a:xfrm>
           <a:prstGeom prst="rect">
@@ -6018,6 +6018,14 @@
               <a:t>Valve</a:t>
             </a:r>
           </a:p>
+          <a:p>
+            <a:pPr algn="ctr"/>
+            <a:r>
+              <a:rPr lang="en-US" altLang="ko-KR" sz="1200" dirty="0"/>
+              <a:t>ADV</a:t>
+            </a:r>
+            <a:endParaRPr lang="ko-KR" altLang="en-US" sz="1200" dirty="0"/>
+          </a:p>
         </p:txBody>
       </p:sp>
       <p:sp>
@@ -6034,7 +6042,7 @@
         </p:nvSpPr>
         <p:spPr>
           <a:xfrm>
-            <a:off x="3309758" y="2991314"/>
+            <a:off x="3712881" y="2991314"/>
             <a:ext cx="1103086" cy="1066431"/>
           </a:xfrm>
           <a:prstGeom prst="rect">
@@ -6097,7 +6105,7 @@
         </p:nvSpPr>
         <p:spPr>
           <a:xfrm>
-            <a:off x="5095015" y="2991314"/>
+            <a:off x="5498138" y="2991314"/>
             <a:ext cx="1103086" cy="1066431"/>
           </a:xfrm>
           <a:prstGeom prst="rect">
@@ -6133,7 +6141,7 @@
             <a:pPr algn="ctr"/>
             <a:r>
               <a:rPr lang="en-US" altLang="ko-KR" sz="1200" dirty="0"/>
-              <a:t>Position</a:t>
+              <a:t>Sensor</a:t>
             </a:r>
           </a:p>
           <a:p>
@@ -6163,7 +6171,7 @@
         </p:nvCxnSpPr>
         <p:spPr>
           <a:xfrm>
-            <a:off x="2627587" y="3524530"/>
+            <a:off x="3030710" y="3524530"/>
             <a:ext cx="682171" cy="0"/>
           </a:xfrm>
           <a:prstGeom prst="straightConnector1">
@@ -6206,7 +6214,7 @@
         </p:nvCxnSpPr>
         <p:spPr>
           <a:xfrm>
-            <a:off x="4412844" y="3524530"/>
+            <a:off x="4815967" y="3524530"/>
             <a:ext cx="682171" cy="0"/>
           </a:xfrm>
           <a:prstGeom prst="straightConnector1">
@@ -6407,7 +6415,7 @@
             <a:pPr algn="ctr"/>
             <a:r>
               <a:rPr lang="en-US" altLang="ko-KR" sz="1200" dirty="0"/>
-              <a:t>Position</a:t>
+              <a:t>Sensor</a:t>
             </a:r>
           </a:p>
           <a:p>
@@ -6574,7 +6582,7 @@
             </a:r>
             <a:r>
               <a:rPr lang="en-US" altLang="ko-KR" sz="1400" dirty="0"/>
-              <a:t>Valve </a:t>
+              <a:t>ValveADV </a:t>
             </a:r>
             <a:r>
               <a:rPr lang="en-US" altLang="ko-KR" sz="1400" dirty="0">
@@ -6584,7 +6592,7 @@
             </a:r>
             <a:r>
               <a:rPr lang="en-US" altLang="ko-KR" sz="1400" dirty="0"/>
-              <a:t>PositionADV</a:t>
+              <a:t>SensorADV</a:t>
             </a:r>
             <a:r>
               <a:rPr lang="en-US" altLang="ko-KR" sz="1400" dirty="0">
@@ -6651,7 +6659,7 @@
           <a:p>
             <a:pPr algn="ctr"/>
             <a:r>
-              <a:rPr lang="en-US" altLang="ko-KR" sz="1400" dirty="0">
+              <a:rPr lang="en-US" altLang="ko-KR" sz="1050" dirty="0">
                 <a:ea typeface="현대하모니 M" panose="02020603020101020101"/>
               </a:rPr>
               <a:t>RET</a:t>
@@ -6660,32 +6668,36 @@
           <a:p>
             <a:pPr algn="ctr"/>
             <a:r>
-              <a:rPr lang="en-US" altLang="ko-KR" sz="1400" dirty="0">
+              <a:rPr lang="en-US" altLang="ko-KR" sz="1050" dirty="0">
                 <a:ea typeface="현대하모니 M" panose="02020603020101020101"/>
               </a:rPr>
               <a:t>[</a:t>
             </a:r>
             <a:r>
-              <a:rPr lang="en-US" altLang="ko-KR" sz="1400" dirty="0"/>
-              <a:t>SpringPower </a:t>
-            </a:r>
-            <a:r>
-              <a:rPr lang="en-US" altLang="ko-KR" sz="1400" dirty="0">
+              <a:rPr lang="en-US" altLang="ko-KR" sz="1050" dirty="0" err="1"/>
+              <a:t>SpringPower</a:t>
+            </a:r>
+            <a:r>
+              <a:rPr lang="en-US" altLang="ko-KR" sz="1050" dirty="0"/>
+              <a:t> </a:t>
+            </a:r>
+            <a:r>
+              <a:rPr lang="en-US" altLang="ko-KR" sz="1050" dirty="0">
                 <a:ea typeface="현대하모니 M" panose="02020603020101020101"/>
               </a:rPr>
               <a:t>~ </a:t>
             </a:r>
             <a:r>
-              <a:rPr lang="en-US" altLang="ko-KR" sz="1400" dirty="0"/>
-              <a:t>PositionRET</a:t>
-            </a:r>
-            <a:r>
-              <a:rPr lang="en-US" altLang="ko-KR" sz="1400" dirty="0">
+              <a:rPr lang="en-US" altLang="ko-KR" sz="1050" dirty="0"/>
+              <a:t>SensorRET</a:t>
+            </a:r>
+            <a:r>
+              <a:rPr lang="en-US" altLang="ko-KR" sz="1050" dirty="0">
                 <a:ea typeface="현대하모니 M" panose="02020603020101020101"/>
               </a:rPr>
               <a:t>]</a:t>
             </a:r>
-            <a:endParaRPr lang="ko-KR" altLang="en-US" sz="1400" dirty="0">
+            <a:endParaRPr lang="ko-KR" altLang="en-US" sz="1050" dirty="0">
               <a:ea typeface="현대하모니 M" panose="02020603020101020101"/>
             </a:endParaRPr>
           </a:p>
@@ -6759,8 +6771,8 @@
         </p:nvCxnSpPr>
         <p:spPr>
           <a:xfrm rot="16200000" flipV="1">
-            <a:off x="3788018" y="4131028"/>
-            <a:ext cx="1089996" cy="943429"/>
+            <a:off x="3989579" y="4332590"/>
+            <a:ext cx="1089996" cy="540306"/>
           </a:xfrm>
           <a:prstGeom prst="bentConnector3">
             <a:avLst>
@@ -6809,8 +6821,8 @@
         </p:nvCxnSpPr>
         <p:spPr>
           <a:xfrm rot="16200000" flipV="1">
-            <a:off x="2002761" y="4131028"/>
-            <a:ext cx="1089996" cy="943429"/>
+            <a:off x="2204322" y="4332590"/>
+            <a:ext cx="1089996" cy="540306"/>
           </a:xfrm>
           <a:prstGeom prst="bentConnector3">
             <a:avLst>
@@ -6851,15 +6863,16 @@
             </a:extLst>
           </p:cNvPr>
           <p:cNvCxnSpPr>
-            <a:stCxn id="56" idx="2"/>
-            <a:endCxn id="69" idx="0"/>
+            <a:cxnSpLocks/>
+            <a:stCxn id="68" idx="0"/>
+            <a:endCxn id="58" idx="2"/>
           </p:cNvCxnSpPr>
           <p:nvPr/>
         </p:nvCxnSpPr>
         <p:spPr>
-          <a:xfrm>
-            <a:off x="2076044" y="4057745"/>
-            <a:ext cx="4513943" cy="1089996"/>
+          <a:xfrm flipV="1">
+            <a:off x="4804730" y="4057745"/>
+            <a:ext cx="1244951" cy="1089996"/>
           </a:xfrm>
           <a:prstGeom prst="straightConnector1">
             <a:avLst/>
@@ -6896,15 +6909,15 @@
           </p:cNvPr>
           <p:cNvCxnSpPr>
             <a:cxnSpLocks/>
-            <a:stCxn id="67" idx="0"/>
-            <a:endCxn id="58" idx="2"/>
+            <a:stCxn id="57" idx="2"/>
+            <a:endCxn id="69" idx="0"/>
           </p:cNvCxnSpPr>
           <p:nvPr/>
         </p:nvCxnSpPr>
         <p:spPr>
-          <a:xfrm flipV="1">
-            <a:off x="3019473" y="4057745"/>
-            <a:ext cx="2627085" cy="1089996"/>
+          <a:xfrm>
+            <a:off x="4264424" y="4057745"/>
+            <a:ext cx="2325563" cy="1089996"/>
           </a:xfrm>
           <a:prstGeom prst="straightConnector1">
             <a:avLst/>
@@ -6935,7 +6948,7 @@
           <p:cNvPr id="5" name="그림 4">
             <a:extLst>
               <a:ext uri="{FF2B5EF4-FFF2-40B4-BE49-F238E27FC236}">
-                <a16:creationId xmlns:a16="http://schemas.microsoft.com/office/drawing/2014/main" id="{7971E3ED-8404-E186-CD41-941D583ABB97}"/>
+                <a16:creationId xmlns:a16="http://schemas.microsoft.com/office/drawing/2014/main" id="{17E57585-8711-8199-ABE8-A80C0B1E01EE}"/>
               </a:ext>
             </a:extLst>
           </p:cNvPr>
@@ -6990,10 +7003,10 @@
       </p:pic>
       <p:pic>
         <p:nvPicPr>
-          <p:cNvPr id="11" name="그림 10">
+          <p:cNvPr id="8" name="그림 7">
             <a:extLst>
               <a:ext uri="{FF2B5EF4-FFF2-40B4-BE49-F238E27FC236}">
-                <a16:creationId xmlns:a16="http://schemas.microsoft.com/office/drawing/2014/main" id="{B0303791-B98D-C0B6-26F9-5E66FBCBC739}"/>
+                <a16:creationId xmlns:a16="http://schemas.microsoft.com/office/drawing/2014/main" id="{747CF4C4-B5D6-6C40-EF52-EFD26C6AF297}"/>
               </a:ext>
             </a:extLst>
           </p:cNvPr>

--- a/DsDotNet/src/UnitTest/UnitTest.Model/ImportOfficeExample/Sample/Lib/Cylinder/Single.pptx
+++ b/DsDotNet/src/UnitTest/UnitTest.Model/ImportOfficeExample/Sample/Lib/Cylinder/Single.pptx
@@ -5,14 +5,15 @@
     <p:sldMasterId id="2147483660" r:id="rId1"/>
   </p:sldMasterIdLst>
   <p:notesMasterIdLst>
-    <p:notesMasterId r:id="rId4"/>
+    <p:notesMasterId r:id="rId5"/>
   </p:notesMasterIdLst>
   <p:handoutMasterIdLst>
-    <p:handoutMasterId r:id="rId5"/>
+    <p:handoutMasterId r:id="rId6"/>
   </p:handoutMasterIdLst>
   <p:sldIdLst>
     <p:sldId id="256" r:id="rId2"/>
     <p:sldId id="607" r:id="rId3"/>
+    <p:sldId id="608" r:id="rId4"/>
   </p:sldIdLst>
   <p:sldSz cx="12192000" cy="6858000"/>
   <p:notesSz cx="6797675" cy="9926638"/>
@@ -216,7 +217,7 @@
           <a:p>
             <a:fld id="{DD503887-5801-43A0-AEF9-041E8DDC2558}" type="datetimeFigureOut">
               <a:rPr lang="ko-KR" altLang="en-US" smtClean="0"/>
-              <a:t>2023-09-04</a:t>
+              <a:t>2023-09-25</a:t>
             </a:fld>
             <a:endParaRPr lang="ko-KR" altLang="en-US"/>
           </a:p>
@@ -393,7 +394,7 @@
           <a:p>
             <a:fld id="{95336A0E-57B1-4D4C-BD9B-2F72B5943464}" type="datetimeFigureOut">
               <a:rPr lang="ko-KR" altLang="en-US" smtClean="0"/>
-              <a:t>2023-09-04</a:t>
+              <a:t>2023-09-25</a:t>
             </a:fld>
             <a:endParaRPr lang="ko-KR" altLang="en-US"/>
           </a:p>
@@ -755,7 +756,7 @@
           <a:effectLst/>
           <a:extLst>
             <a:ext uri="{91240B29-F687-4f45-9708-019B960494DF}">
-              <a14:hiddenLine xmlns="" xmlns:a14="http://schemas.microsoft.com/office/drawing/2010/main" w="9525">
+              <a14:hiddenLine xmlns:a14="http://schemas.microsoft.com/office/drawing/2010/main" xmlns="" w="9525">
                 <a:solidFill>
                   <a:srgbClr val="000000"/>
                 </a:solidFill>
@@ -947,7 +948,7 @@
           <a:p>
             <a:fld id="{DEA6EBF0-8E22-42A7-9BEA-2AC7066E6498}" type="datetimeFigureOut">
               <a:rPr lang="ko-KR" altLang="en-US" smtClean="0"/>
-              <a:t>2023-09-04</a:t>
+              <a:t>2023-09-25</a:t>
             </a:fld>
             <a:endParaRPr lang="ko-KR" altLang="en-US"/>
           </a:p>
@@ -1265,7 +1266,7 @@
           <a:p>
             <a:fld id="{DEA6EBF0-8E22-42A7-9BEA-2AC7066E6498}" type="datetimeFigureOut">
               <a:rPr lang="ko-KR" altLang="en-US" smtClean="0"/>
-              <a:t>2023-09-04</a:t>
+              <a:t>2023-09-25</a:t>
             </a:fld>
             <a:endParaRPr lang="ko-KR" altLang="en-US"/>
           </a:p>
@@ -1753,7 +1754,7 @@
           <a:p>
             <a:fld id="{DEA6EBF0-8E22-42A7-9BEA-2AC7066E6498}" type="datetimeFigureOut">
               <a:rPr lang="ko-KR" altLang="en-US" smtClean="0"/>
-              <a:t>2023-09-04</a:t>
+              <a:t>2023-09-25</a:t>
             </a:fld>
             <a:endParaRPr lang="ko-KR" altLang="en-US"/>
           </a:p>
@@ -2122,7 +2123,7 @@
           <a:p>
             <a:fld id="{DEA6EBF0-8E22-42A7-9BEA-2AC7066E6498}" type="datetimeFigureOut">
               <a:rPr lang="ko-KR" altLang="en-US" smtClean="0"/>
-              <a:t>2023-09-04</a:t>
+              <a:t>2023-09-25</a:t>
             </a:fld>
             <a:endParaRPr lang="ko-KR" altLang="en-US"/>
           </a:p>
@@ -2277,7 +2278,7 @@
           <a:ln/>
           <a:extLst>
             <a:ext uri="{91240B29-F687-4f45-9708-019B960494DF}">
-              <a14:hiddenLine xmlns="" xmlns:a14="http://schemas.microsoft.com/office/drawing/2010/main" w="9525">
+              <a14:hiddenLine xmlns:a14="http://schemas.microsoft.com/office/drawing/2010/main" xmlns="" w="9525">
                 <a:solidFill>
                   <a:srgbClr val="000000"/>
                 </a:solidFill>
@@ -2395,7 +2396,7 @@
           <a:p>
             <a:fld id="{DEA6EBF0-8E22-42A7-9BEA-2AC7066E6498}" type="datetimeFigureOut">
               <a:rPr lang="ko-KR" altLang="en-US" smtClean="0"/>
-              <a:t>2023-09-04</a:t>
+              <a:t>2023-09-25</a:t>
             </a:fld>
             <a:endParaRPr lang="ko-KR" altLang="en-US"/>
           </a:p>
@@ -2552,7 +2553,7 @@
           <a:ln/>
           <a:extLst>
             <a:ext uri="{91240B29-F687-4f45-9708-019B960494DF}">
-              <a14:hiddenLine xmlns="" xmlns:a14="http://schemas.microsoft.com/office/drawing/2010/main" w="9525">
+              <a14:hiddenLine xmlns:a14="http://schemas.microsoft.com/office/drawing/2010/main" xmlns="" w="9525">
                 <a:solidFill>
                   <a:srgbClr val="000000"/>
                 </a:solidFill>
@@ -2680,7 +2681,7 @@
           <a:p>
             <a:fld id="{DEA6EBF0-8E22-42A7-9BEA-2AC7066E6498}" type="datetimeFigureOut">
               <a:rPr lang="ko-KR" altLang="en-US" smtClean="0"/>
-              <a:t>2023-09-04</a:t>
+              <a:t>2023-09-25</a:t>
             </a:fld>
             <a:endParaRPr lang="ko-KR" altLang="en-US"/>
           </a:p>
@@ -2798,7 +2799,7 @@
           <a:p>
             <a:fld id="{DEA6EBF0-8E22-42A7-9BEA-2AC7066E6498}" type="datetimeFigureOut">
               <a:rPr lang="ko-KR" altLang="en-US" smtClean="0"/>
-              <a:t>2023-09-04</a:t>
+              <a:t>2023-09-25</a:t>
             </a:fld>
             <a:endParaRPr lang="ko-KR" altLang="en-US"/>
           </a:p>
@@ -2953,7 +2954,7 @@
           <a:ln/>
           <a:extLst>
             <a:ext uri="{91240B29-F687-4f45-9708-019B960494DF}">
-              <a14:hiddenLine xmlns="" xmlns:a14="http://schemas.microsoft.com/office/drawing/2010/main" w="9525">
+              <a14:hiddenLine xmlns:a14="http://schemas.microsoft.com/office/drawing/2010/main" xmlns="" w="9525">
                 <a:solidFill>
                   <a:srgbClr val="000000"/>
                 </a:solidFill>
@@ -3081,7 +3082,7 @@
           <a:p>
             <a:fld id="{DEA6EBF0-8E22-42A7-9BEA-2AC7066E6498}" type="datetimeFigureOut">
               <a:rPr lang="ko-KR" altLang="en-US" smtClean="0"/>
-              <a:t>2023-09-04</a:t>
+              <a:t>2023-09-25</a:t>
             </a:fld>
             <a:endParaRPr lang="ko-KR" altLang="en-US"/>
           </a:p>
@@ -3424,7 +3425,7 @@
           <a:p>
             <a:fld id="{DEA6EBF0-8E22-42A7-9BEA-2AC7066E6498}" type="datetimeFigureOut">
               <a:rPr lang="ko-KR" altLang="en-US" smtClean="0"/>
-              <a:t>2023-09-04</a:t>
+              <a:t>2023-09-25</a:t>
             </a:fld>
             <a:endParaRPr lang="ko-KR" altLang="en-US"/>
           </a:p>
@@ -3579,7 +3580,7 @@
           <a:ln/>
           <a:extLst>
             <a:ext uri="{91240B29-F687-4f45-9708-019B960494DF}">
-              <a14:hiddenLine xmlns="" xmlns:a14="http://schemas.microsoft.com/office/drawing/2010/main" w="9525">
+              <a14:hiddenLine xmlns:a14="http://schemas.microsoft.com/office/drawing/2010/main" xmlns="" w="9525">
                 <a:solidFill>
                   <a:srgbClr val="000000"/>
                 </a:solidFill>
@@ -3763,7 +3764,7 @@
           <a:p>
             <a:fld id="{DEA6EBF0-8E22-42A7-9BEA-2AC7066E6498}" type="datetimeFigureOut">
               <a:rPr lang="ko-KR" altLang="en-US" smtClean="0"/>
-              <a:t>2023-09-04</a:t>
+              <a:t>2023-09-25</a:t>
             </a:fld>
             <a:endParaRPr lang="ko-KR" altLang="en-US"/>
           </a:p>
@@ -3918,7 +3919,7 @@
           <a:ln/>
           <a:extLst>
             <a:ext uri="{91240B29-F687-4f45-9708-019B960494DF}">
-              <a14:hiddenLine xmlns="" xmlns:a14="http://schemas.microsoft.com/office/drawing/2010/main" w="9525">
+              <a14:hiddenLine xmlns:a14="http://schemas.microsoft.com/office/drawing/2010/main" xmlns="" w="9525">
                 <a:solidFill>
                   <a:srgbClr val="000000"/>
                 </a:solidFill>
@@ -4240,7 +4241,7 @@
           <a:p>
             <a:fld id="{DEA6EBF0-8E22-42A7-9BEA-2AC7066E6498}" type="datetimeFigureOut">
               <a:rPr lang="ko-KR" altLang="en-US" smtClean="0"/>
-              <a:t>2023-09-04</a:t>
+              <a:t>2023-09-25</a:t>
             </a:fld>
             <a:endParaRPr lang="ko-KR" altLang="en-US"/>
           </a:p>
@@ -4335,7 +4336,7 @@
           <a:p>
             <a:fld id="{DEA6EBF0-8E22-42A7-9BEA-2AC7066E6498}" type="datetimeFigureOut">
               <a:rPr lang="ko-KR" altLang="en-US" smtClean="0"/>
-              <a:t>2023-09-04</a:t>
+              <a:t>2023-09-25</a:t>
             </a:fld>
             <a:endParaRPr lang="ko-KR" altLang="en-US"/>
           </a:p>
@@ -4603,7 +4604,7 @@
           <a:ln/>
           <a:extLst>
             <a:ext uri="{91240B29-F687-4f45-9708-019B960494DF}">
-              <a14:hiddenLine xmlns="" xmlns:a14="http://schemas.microsoft.com/office/drawing/2010/main" w="9525">
+              <a14:hiddenLine xmlns:a14="http://schemas.microsoft.com/office/drawing/2010/main" xmlns="" w="9525">
                 <a:solidFill>
                   <a:srgbClr val="000000"/>
                 </a:solidFill>
@@ -4802,7 +4803,7 @@
           <a:p>
             <a:fld id="{DEA6EBF0-8E22-42A7-9BEA-2AC7066E6498}" type="datetimeFigureOut">
               <a:rPr lang="ko-KR" altLang="en-US" smtClean="0"/>
-              <a:t>2023-09-04</a:t>
+              <a:t>2023-09-25</a:t>
             </a:fld>
             <a:endParaRPr lang="ko-KR" altLang="en-US"/>
           </a:p>
@@ -5115,7 +5116,7 @@
           <a:p>
             <a:fld id="{DEA6EBF0-8E22-42A7-9BEA-2AC7066E6498}" type="datetimeFigureOut">
               <a:rPr lang="ko-KR" altLang="en-US" smtClean="0"/>
-              <a:t>2023-09-04</a:t>
+              <a:t>2023-09-25</a:t>
             </a:fld>
             <a:endParaRPr lang="ko-KR" altLang="en-US"/>
           </a:p>
@@ -5385,7 +5386,7 @@
           <a:p>
             <a:fld id="{DEA6EBF0-8E22-42A7-9BEA-2AC7066E6498}" type="datetimeFigureOut">
               <a:rPr lang="ko-KR" altLang="en-US" smtClean="0"/>
-              <a:t>2023-09-04</a:t>
+              <a:t>2023-09-25</a:t>
             </a:fld>
             <a:endParaRPr lang="ko-KR" altLang="en-US"/>
           </a:p>
@@ -5920,7 +5921,7 @@
 </file>
 
 <file path=ppt/slides/slide2.xml><?xml version="1.0" encoding="utf-8"?>
-<p:sld xmlns:a="http://schemas.openxmlformats.org/drawingml/2006/main" xmlns:r="http://schemas.openxmlformats.org/officeDocument/2006/relationships" xmlns:p="http://schemas.openxmlformats.org/presentationml/2006/main">
+<p:sld xmlns:a="http://schemas.openxmlformats.org/drawingml/2006/main" xmlns:r="http://schemas.openxmlformats.org/officeDocument/2006/relationships" xmlns:p="http://schemas.openxmlformats.org/presentationml/2006/main" show="0">
   <p:cSld>
     <p:spTree>
       <p:nvGrpSpPr>
@@ -6674,12 +6675,8 @@
               <a:t>[</a:t>
             </a:r>
             <a:r>
-              <a:rPr lang="en-US" altLang="ko-KR" sz="1050" dirty="0" err="1"/>
-              <a:t>SpringPower</a:t>
-            </a:r>
-            <a:r>
               <a:rPr lang="en-US" altLang="ko-KR" sz="1050" dirty="0"/>
-              <a:t> </a:t>
+              <a:t>SpringPower </a:t>
             </a:r>
             <a:r>
               <a:rPr lang="en-US" altLang="ko-KR" sz="1050" dirty="0">
@@ -7058,6 +7055,588 @@
     <p:extLst>
       <p:ext uri="{BB962C8B-B14F-4D97-AF65-F5344CB8AC3E}">
         <p14:creationId xmlns:p14="http://schemas.microsoft.com/office/powerpoint/2010/main" val="1142561549"/>
+      </p:ext>
+    </p:extLst>
+  </p:cSld>
+  <p:clrMapOvr>
+    <a:masterClrMapping/>
+  </p:clrMapOvr>
+</p:sld>
+</file>
+
+<file path=ppt/slides/slide3.xml><?xml version="1.0" encoding="utf-8"?>
+<p:sld xmlns:a="http://schemas.openxmlformats.org/drawingml/2006/main" xmlns:r="http://schemas.openxmlformats.org/officeDocument/2006/relationships" xmlns:p="http://schemas.openxmlformats.org/presentationml/2006/main">
+  <p:cSld>
+    <p:spTree>
+      <p:nvGrpSpPr>
+        <p:cNvPr id="1" name=""/>
+        <p:cNvGrpSpPr/>
+        <p:nvPr/>
+      </p:nvGrpSpPr>
+      <p:grpSpPr>
+        <a:xfrm>
+          <a:off x="0" y="0"/>
+          <a:ext cx="0" cy="0"/>
+          <a:chOff x="0" y="0"/>
+          <a:chExt cx="0" cy="0"/>
+        </a:xfrm>
+      </p:grpSpPr>
+      <p:sp>
+        <p:nvSpPr>
+          <p:cNvPr id="2" name="제목 1">
+            <a:extLst>
+              <a:ext uri="{FF2B5EF4-FFF2-40B4-BE49-F238E27FC236}">
+                <a16:creationId xmlns:a16="http://schemas.microsoft.com/office/drawing/2014/main" id="{5E8FE27E-4086-E570-1BA4-F2B433CAA376}"/>
+              </a:ext>
+            </a:extLst>
+          </p:cNvPr>
+          <p:cNvSpPr>
+            <a:spLocks noGrp="1"/>
+          </p:cNvSpPr>
+          <p:nvPr>
+            <p:ph type="title"/>
+          </p:nvPr>
+        </p:nvSpPr>
+        <p:spPr/>
+        <p:txBody>
+          <a:bodyPr/>
+          <a:lstStyle/>
+          <a:p>
+            <a:r>
+              <a:rPr lang="en-US" altLang="ko-KR" dirty="0"/>
+              <a:t>Flow</a:t>
+            </a:r>
+            <a:endParaRPr lang="ko-KR" altLang="en-US" dirty="0"/>
+          </a:p>
+        </p:txBody>
+      </p:sp>
+      <p:sp>
+        <p:nvSpPr>
+          <p:cNvPr id="56" name="직사각형 55">
+            <a:extLst>
+              <a:ext uri="{FF2B5EF4-FFF2-40B4-BE49-F238E27FC236}">
+                <a16:creationId xmlns:a16="http://schemas.microsoft.com/office/drawing/2014/main" id="{B59930BF-EFE8-0861-D55E-FEAC7FD46A32}"/>
+              </a:ext>
+            </a:extLst>
+          </p:cNvPr>
+          <p:cNvSpPr/>
+          <p:nvPr/>
+        </p:nvSpPr>
+        <p:spPr>
+          <a:xfrm>
+            <a:off x="1927624" y="2991314"/>
+            <a:ext cx="1103086" cy="1066431"/>
+          </a:xfrm>
+          <a:prstGeom prst="rect">
+            <a:avLst/>
+          </a:prstGeom>
+          <a:solidFill>
+            <a:schemeClr val="accent4">
+              <a:alpha val="50000"/>
+            </a:schemeClr>
+          </a:solidFill>
+          <a:ln>
+            <a:noFill/>
+          </a:ln>
+        </p:spPr>
+        <p:style>
+          <a:lnRef idx="0">
+            <a:scrgbClr r="0" g="0" b="0"/>
+          </a:lnRef>
+          <a:fillRef idx="0">
+            <a:scrgbClr r="0" g="0" b="0"/>
+          </a:fillRef>
+          <a:effectRef idx="0">
+            <a:scrgbClr r="0" g="0" b="0"/>
+          </a:effectRef>
+          <a:fontRef idx="minor">
+            <a:schemeClr val="lt1"/>
+          </a:fontRef>
+        </p:style>
+        <p:txBody>
+          <a:bodyPr rtlCol="0" anchor="ctr"/>
+          <a:lstStyle/>
+          <a:p>
+            <a:pPr algn="ctr"/>
+            <a:r>
+              <a:rPr lang="en-US" altLang="ko-KR" sz="1200" dirty="0"/>
+              <a:t>Valve</a:t>
+            </a:r>
+          </a:p>
+          <a:p>
+            <a:pPr algn="ctr"/>
+            <a:r>
+              <a:rPr lang="en-US" altLang="ko-KR" sz="1200" dirty="0"/>
+              <a:t>ADV</a:t>
+            </a:r>
+            <a:endParaRPr lang="ko-KR" altLang="en-US" sz="1200" dirty="0"/>
+          </a:p>
+        </p:txBody>
+      </p:sp>
+      <p:sp>
+        <p:nvSpPr>
+          <p:cNvPr id="67" name="직사각형 66">
+            <a:extLst>
+              <a:ext uri="{FF2B5EF4-FFF2-40B4-BE49-F238E27FC236}">
+                <a16:creationId xmlns:a16="http://schemas.microsoft.com/office/drawing/2014/main" id="{6CD07698-261E-1C80-B0B9-45488C6F0EF0}"/>
+              </a:ext>
+            </a:extLst>
+          </p:cNvPr>
+          <p:cNvSpPr/>
+          <p:nvPr/>
+        </p:nvSpPr>
+        <p:spPr>
+          <a:xfrm>
+            <a:off x="2467930" y="5147741"/>
+            <a:ext cx="1103086" cy="1066431"/>
+          </a:xfrm>
+          <a:prstGeom prst="rect">
+            <a:avLst/>
+          </a:prstGeom>
+          <a:solidFill>
+            <a:schemeClr val="accent4">
+              <a:alpha val="50000"/>
+            </a:schemeClr>
+          </a:solidFill>
+          <a:ln>
+            <a:noFill/>
+          </a:ln>
+        </p:spPr>
+        <p:style>
+          <a:lnRef idx="0">
+            <a:scrgbClr r="0" g="0" b="0"/>
+          </a:lnRef>
+          <a:fillRef idx="0">
+            <a:scrgbClr r="0" g="0" b="0"/>
+          </a:fillRef>
+          <a:effectRef idx="0">
+            <a:scrgbClr r="0" g="0" b="0"/>
+          </a:effectRef>
+          <a:fontRef idx="minor">
+            <a:schemeClr val="lt1"/>
+          </a:fontRef>
+        </p:style>
+        <p:txBody>
+          <a:bodyPr rtlCol="0" anchor="ctr"/>
+          <a:lstStyle/>
+          <a:p>
+            <a:pPr algn="ctr"/>
+            <a:r>
+              <a:rPr lang="en-US" altLang="ko-KR" sz="1200" dirty="0"/>
+              <a:t>Spring</a:t>
+            </a:r>
+          </a:p>
+          <a:p>
+            <a:pPr algn="ctr"/>
+            <a:r>
+              <a:rPr lang="en-US" altLang="ko-KR" sz="1200" dirty="0"/>
+              <a:t>Power</a:t>
+            </a:r>
+            <a:endParaRPr lang="ko-KR" altLang="en-US" sz="1200" dirty="0"/>
+          </a:p>
+        </p:txBody>
+      </p:sp>
+      <p:sp>
+        <p:nvSpPr>
+          <p:cNvPr id="80" name="화살표: 오각형 79">
+            <a:extLst>
+              <a:ext uri="{FF2B5EF4-FFF2-40B4-BE49-F238E27FC236}">
+                <a16:creationId xmlns:a16="http://schemas.microsoft.com/office/drawing/2014/main" id="{CB5747B3-AC8A-5B6E-FCF3-6ABFB0F2E1BE}"/>
+              </a:ext>
+            </a:extLst>
+          </p:cNvPr>
+          <p:cNvSpPr/>
+          <p:nvPr/>
+        </p:nvSpPr>
+        <p:spPr>
+          <a:xfrm>
+            <a:off x="9535386" y="2236091"/>
+            <a:ext cx="2617433" cy="690024"/>
+          </a:xfrm>
+          <a:prstGeom prst="homePlate">
+            <a:avLst/>
+          </a:prstGeom>
+          <a:solidFill>
+            <a:schemeClr val="accent2">
+              <a:alpha val="50000"/>
+            </a:schemeClr>
+          </a:solidFill>
+          <a:ln>
+            <a:noFill/>
+          </a:ln>
+        </p:spPr>
+        <p:style>
+          <a:lnRef idx="0">
+            <a:scrgbClr r="0" g="0" b="0"/>
+          </a:lnRef>
+          <a:fillRef idx="0">
+            <a:scrgbClr r="0" g="0" b="0"/>
+          </a:fillRef>
+          <a:effectRef idx="0">
+            <a:scrgbClr r="0" g="0" b="0"/>
+          </a:effectRef>
+          <a:fontRef idx="minor">
+            <a:schemeClr val="lt1"/>
+          </a:fontRef>
+        </p:style>
+        <p:txBody>
+          <a:bodyPr vert="horz" wrap="none" lIns="91440" tIns="45720" rIns="91440" bIns="45720" numCol="1" rtlCol="0" anchor="ctr" anchorCtr="0" compatLnSpc="1">
+            <a:prstTxWarp prst="textNoShape">
+              <a:avLst/>
+            </a:prstTxWarp>
+          </a:bodyPr>
+          <a:lstStyle/>
+          <a:p>
+            <a:pPr algn="ctr"/>
+            <a:r>
+              <a:rPr lang="en-US" altLang="ko-KR" sz="1100" dirty="0">
+                <a:ea typeface="현대하모니 M" panose="02020603020101020101"/>
+              </a:rPr>
+              <a:t>ADV</a:t>
+            </a:r>
+          </a:p>
+          <a:p>
+            <a:pPr algn="ctr"/>
+            <a:r>
+              <a:rPr lang="en-US" altLang="ko-KR" sz="1100" dirty="0">
+                <a:ea typeface="현대하모니 M" panose="02020603020101020101"/>
+              </a:rPr>
+              <a:t>[</a:t>
+            </a:r>
+            <a:r>
+              <a:rPr lang="en-US" altLang="ko-KR" sz="1100" dirty="0"/>
+              <a:t>ValveADV </a:t>
+            </a:r>
+            <a:r>
+              <a:rPr lang="en-US" altLang="ko-KR" sz="1100" dirty="0">
+                <a:ea typeface="현대하모니 M" panose="02020603020101020101"/>
+              </a:rPr>
+              <a:t>~ </a:t>
+            </a:r>
+            <a:r>
+              <a:rPr lang="en-US" altLang="ko-KR" sz="1100" dirty="0"/>
+              <a:t>ValveADV</a:t>
+            </a:r>
+            <a:r>
+              <a:rPr lang="en-US" altLang="ko-KR" sz="1100" dirty="0">
+                <a:ea typeface="현대하모니 M" panose="02020603020101020101"/>
+              </a:rPr>
+              <a:t>]</a:t>
+            </a:r>
+            <a:endParaRPr lang="ko-KR" altLang="en-US" sz="1100" dirty="0">
+              <a:ea typeface="현대하모니 M" panose="02020603020101020101"/>
+            </a:endParaRPr>
+          </a:p>
+        </p:txBody>
+      </p:sp>
+      <p:sp>
+        <p:nvSpPr>
+          <p:cNvPr id="81" name="화살표: 오각형 80">
+            <a:extLst>
+              <a:ext uri="{FF2B5EF4-FFF2-40B4-BE49-F238E27FC236}">
+                <a16:creationId xmlns:a16="http://schemas.microsoft.com/office/drawing/2014/main" id="{11D9824B-9C79-1754-1358-CAFCD5BF3EA9}"/>
+              </a:ext>
+            </a:extLst>
+          </p:cNvPr>
+          <p:cNvSpPr/>
+          <p:nvPr/>
+        </p:nvSpPr>
+        <p:spPr>
+          <a:xfrm>
+            <a:off x="9535385" y="3015569"/>
+            <a:ext cx="2617433" cy="690024"/>
+          </a:xfrm>
+          <a:prstGeom prst="homePlate">
+            <a:avLst/>
+          </a:prstGeom>
+          <a:solidFill>
+            <a:schemeClr val="accent2">
+              <a:alpha val="50000"/>
+            </a:schemeClr>
+          </a:solidFill>
+          <a:ln>
+            <a:noFill/>
+          </a:ln>
+        </p:spPr>
+        <p:style>
+          <a:lnRef idx="0">
+            <a:scrgbClr r="0" g="0" b="0"/>
+          </a:lnRef>
+          <a:fillRef idx="0">
+            <a:scrgbClr r="0" g="0" b="0"/>
+          </a:fillRef>
+          <a:effectRef idx="0">
+            <a:scrgbClr r="0" g="0" b="0"/>
+          </a:effectRef>
+          <a:fontRef idx="minor">
+            <a:schemeClr val="lt1"/>
+          </a:fontRef>
+        </p:style>
+        <p:txBody>
+          <a:bodyPr vert="horz" wrap="none" lIns="91440" tIns="45720" rIns="91440" bIns="45720" numCol="1" rtlCol="0" anchor="ctr" anchorCtr="0" compatLnSpc="1">
+            <a:prstTxWarp prst="textNoShape">
+              <a:avLst/>
+            </a:prstTxWarp>
+          </a:bodyPr>
+          <a:lstStyle/>
+          <a:p>
+            <a:pPr algn="ctr"/>
+            <a:r>
+              <a:rPr lang="en-US" altLang="ko-KR" sz="1050" dirty="0">
+                <a:ea typeface="현대하모니 M" panose="02020603020101020101"/>
+              </a:rPr>
+              <a:t>RET</a:t>
+            </a:r>
+          </a:p>
+          <a:p>
+            <a:pPr algn="ctr"/>
+            <a:r>
+              <a:rPr lang="en-US" altLang="ko-KR" sz="1050" dirty="0">
+                <a:ea typeface="현대하모니 M" panose="02020603020101020101"/>
+              </a:rPr>
+              <a:t>[</a:t>
+            </a:r>
+            <a:r>
+              <a:rPr lang="en-US" altLang="ko-KR" sz="1050" dirty="0"/>
+              <a:t>SpringPower </a:t>
+            </a:r>
+            <a:r>
+              <a:rPr lang="en-US" altLang="ko-KR" sz="1050" dirty="0">
+                <a:ea typeface="현대하모니 M" panose="02020603020101020101"/>
+              </a:rPr>
+              <a:t>~ </a:t>
+            </a:r>
+            <a:r>
+              <a:rPr lang="en-US" altLang="ko-KR" sz="1050" dirty="0"/>
+              <a:t>SpringPower</a:t>
+            </a:r>
+            <a:r>
+              <a:rPr lang="en-US" altLang="ko-KR" sz="1050" dirty="0">
+                <a:ea typeface="현대하모니 M" panose="02020603020101020101"/>
+              </a:rPr>
+              <a:t>]</a:t>
+            </a:r>
+            <a:endParaRPr lang="ko-KR" altLang="en-US" sz="1050" dirty="0">
+              <a:ea typeface="현대하모니 M" panose="02020603020101020101"/>
+            </a:endParaRPr>
+          </a:p>
+        </p:txBody>
+      </p:sp>
+      <p:cxnSp>
+        <p:nvCxnSpPr>
+          <p:cNvPr id="82" name="연결선: 꺾임 81">
+            <a:extLst>
+              <a:ext uri="{FF2B5EF4-FFF2-40B4-BE49-F238E27FC236}">
+                <a16:creationId xmlns:a16="http://schemas.microsoft.com/office/drawing/2014/main" id="{F7145B42-2C09-D6CE-2298-12CF80CB6686}"/>
+              </a:ext>
+            </a:extLst>
+          </p:cNvPr>
+          <p:cNvCxnSpPr>
+            <a:cxnSpLocks/>
+            <a:stCxn id="81" idx="1"/>
+            <a:endCxn id="80" idx="1"/>
+          </p:cNvCxnSpPr>
+          <p:nvPr/>
+        </p:nvCxnSpPr>
+        <p:spPr>
+          <a:xfrm rot="10800000" flipH="1">
+            <a:off x="9535384" y="2581103"/>
+            <a:ext cx="1" cy="779478"/>
+          </a:xfrm>
+          <a:prstGeom prst="bentConnector3">
+            <a:avLst>
+              <a:gd name="adj1" fmla="val -22860000000"/>
+            </a:avLst>
+          </a:prstGeom>
+          <a:ln w="57150" cmpd="dbl">
+            <a:solidFill>
+              <a:schemeClr val="accent6"/>
+            </a:solidFill>
+            <a:prstDash val="dash"/>
+            <a:headEnd type="triangle" w="med" len="med"/>
+            <a:tailEnd type="triangle" w="med" len="med"/>
+          </a:ln>
+        </p:spPr>
+        <p:style>
+          <a:lnRef idx="1">
+            <a:schemeClr val="accent1"/>
+          </a:lnRef>
+          <a:fillRef idx="0">
+            <a:schemeClr val="accent1"/>
+          </a:fillRef>
+          <a:effectRef idx="0">
+            <a:schemeClr val="accent1"/>
+          </a:effectRef>
+          <a:fontRef idx="minor">
+            <a:schemeClr val="tx1"/>
+          </a:fontRef>
+        </p:style>
+      </p:cxnSp>
+      <p:cxnSp>
+        <p:nvCxnSpPr>
+          <p:cNvPr id="12" name="연결선: 꺾임 11">
+            <a:extLst>
+              <a:ext uri="{FF2B5EF4-FFF2-40B4-BE49-F238E27FC236}">
+                <a16:creationId xmlns:a16="http://schemas.microsoft.com/office/drawing/2014/main" id="{7F33A159-63C2-73E5-0693-383E04CD8793}"/>
+              </a:ext>
+            </a:extLst>
+          </p:cNvPr>
+          <p:cNvCxnSpPr>
+            <a:cxnSpLocks/>
+            <a:stCxn id="67" idx="0"/>
+            <a:endCxn id="56" idx="2"/>
+          </p:cNvCxnSpPr>
+          <p:nvPr/>
+        </p:nvCxnSpPr>
+        <p:spPr>
+          <a:xfrm rot="16200000" flipV="1">
+            <a:off x="2204322" y="4332590"/>
+            <a:ext cx="1089996" cy="540306"/>
+          </a:xfrm>
+          <a:prstGeom prst="bentConnector3">
+            <a:avLst>
+              <a:gd name="adj1" fmla="val 50000"/>
+            </a:avLst>
+          </a:prstGeom>
+          <a:ln w="57150" cmpd="dbl">
+            <a:solidFill>
+              <a:schemeClr val="accent6"/>
+            </a:solidFill>
+            <a:prstDash val="dash"/>
+            <a:headEnd type="triangle" w="med" len="med"/>
+            <a:tailEnd type="triangle" w="med" len="med"/>
+          </a:ln>
+        </p:spPr>
+        <p:style>
+          <a:lnRef idx="1">
+            <a:schemeClr val="accent1"/>
+          </a:lnRef>
+          <a:fillRef idx="0">
+            <a:schemeClr val="accent1"/>
+          </a:fillRef>
+          <a:effectRef idx="0">
+            <a:schemeClr val="accent1"/>
+          </a:effectRef>
+          <a:fontRef idx="minor">
+            <a:schemeClr val="tx1"/>
+          </a:fontRef>
+        </p:style>
+      </p:cxnSp>
+      <p:pic>
+        <p:nvPicPr>
+          <p:cNvPr id="5" name="그림 4">
+            <a:extLst>
+              <a:ext uri="{FF2B5EF4-FFF2-40B4-BE49-F238E27FC236}">
+                <a16:creationId xmlns:a16="http://schemas.microsoft.com/office/drawing/2014/main" id="{17E57585-8711-8199-ABE8-A80C0B1E01EE}"/>
+              </a:ext>
+            </a:extLst>
+          </p:cNvPr>
+          <p:cNvPicPr>
+            <a:picLocks noChangeAspect="1"/>
+          </p:cNvPicPr>
+          <p:nvPr/>
+        </p:nvPicPr>
+        <p:blipFill>
+          <a:blip r:embed="rId2">
+            <a:extLst>
+              <a:ext uri="{BEBA8EAE-BF5A-486C-A8C5-ECC9F3942E4B}">
+                <a14:imgProps xmlns:a14="http://schemas.microsoft.com/office/drawing/2010/main">
+                  <a14:imgLayer r:embed="rId3">
+                    <a14:imgEffect>
+                      <a14:backgroundRemoval t="5435" b="89674" l="4710" r="94085">
+                        <a14:foregroundMark x1="61117" y1="15580" x2="73275" y2="17029"/>
+                        <a14:foregroundMark x1="76889" y1="55616" x2="85104" y2="55797"/>
+                        <a14:foregroundMark x1="76451" y1="54348" x2="84775" y2="57790"/>
+                        <a14:foregroundMark x1="4710" y1="57065" x2="8434" y2="56522"/>
+                        <a14:foregroundMark x1="27820" y1="62500" x2="28368" y2="66667"/>
+                        <a14:foregroundMark x1="37459" y1="64312" x2="40854" y2="63768"/>
+                        <a14:foregroundMark x1="10405" y1="5435" x2="10734" y2="19203"/>
+                        <a14:foregroundMark x1="77218" y1="61775" x2="77656" y2="64855"/>
+                        <a14:foregroundMark x1="72618" y1="47464" x2="72837" y2="52899"/>
+                        <a14:foregroundMark x1="72837" y1="53261" x2="65389" y2="56522"/>
+                        <a14:foregroundMark x1="62322" y1="46920" x2="68565" y2="46739"/>
+                        <a14:foregroundMark x1="72399" y1="46920" x2="85104" y2="47101"/>
+                        <a14:foregroundMark x1="94085" y1="13406" x2="94085" y2="13406"/>
+                        <a14:foregroundMark x1="89814" y1="46377" x2="89814" y2="46377"/>
+                        <a14:foregroundMark x1="70537" y1="46739" x2="70537" y2="46739"/>
+                      </a14:backgroundRemoval>
+                    </a14:imgEffect>
+                  </a14:imgLayer>
+                </a14:imgProps>
+              </a:ext>
+            </a:extLst>
+          </a:blip>
+          <a:stretch>
+            <a:fillRect/>
+          </a:stretch>
+        </p:blipFill>
+        <p:spPr>
+          <a:xfrm>
+            <a:off x="6219371" y="0"/>
+            <a:ext cx="3459226" cy="2091449"/>
+          </a:xfrm>
+          <a:prstGeom prst="rect">
+            <a:avLst/>
+          </a:prstGeom>
+        </p:spPr>
+      </p:pic>
+      <p:pic>
+        <p:nvPicPr>
+          <p:cNvPr id="8" name="그림 7">
+            <a:extLst>
+              <a:ext uri="{FF2B5EF4-FFF2-40B4-BE49-F238E27FC236}">
+                <a16:creationId xmlns:a16="http://schemas.microsoft.com/office/drawing/2014/main" id="{747CF4C4-B5D6-6C40-EF52-EFD26C6AF297}"/>
+              </a:ext>
+            </a:extLst>
+          </p:cNvPr>
+          <p:cNvPicPr>
+            <a:picLocks noChangeAspect="1"/>
+          </p:cNvPicPr>
+          <p:nvPr/>
+        </p:nvPicPr>
+        <p:blipFill>
+          <a:blip r:embed="rId4">
+            <a:extLst>
+              <a:ext uri="{BEBA8EAE-BF5A-486C-A8C5-ECC9F3942E4B}">
+                <a14:imgProps xmlns:a14="http://schemas.microsoft.com/office/drawing/2010/main">
+                  <a14:imgLayer r:embed="rId5">
+                    <a14:imgEffect>
+                      <a14:backgroundRemoval t="9931" b="90069" l="5242" r="94355">
+                        <a14:foregroundMark x1="35685" y1="39030" x2="62903" y2="32564"/>
+                        <a14:foregroundMark x1="93952" y1="32794" x2="94758" y2="33487"/>
+                        <a14:foregroundMark x1="5242" y1="47806" x2="5242" y2="47806"/>
+                        <a14:foregroundMark x1="20766" y1="90069" x2="22379" y2="86605"/>
+                        <a14:foregroundMark x1="32258" y1="74827" x2="52218" y2="66513"/>
+                        <a14:foregroundMark x1="68347" y1="62587" x2="75403" y2="60508"/>
+                        <a14:foregroundMark x1="76210" y1="59815" x2="79234" y2="58891"/>
+                        <a14:foregroundMark x1="79234" y1="54734" x2="80847" y2="60508"/>
+                        <a14:foregroundMark x1="83468" y1="58430" x2="83669" y2="60046"/>
+                        <a14:foregroundMark x1="24194" y1="78060" x2="34073" y2="72748"/>
+                      </a14:backgroundRemoval>
+                    </a14:imgEffect>
+                  </a14:imgLayer>
+                </a14:imgProps>
+              </a:ext>
+            </a:extLst>
+          </a:blip>
+          <a:stretch>
+            <a:fillRect/>
+          </a:stretch>
+        </p:blipFill>
+        <p:spPr>
+          <a:xfrm>
+            <a:off x="9742664" y="-29124"/>
+            <a:ext cx="2202873" cy="1923073"/>
+          </a:xfrm>
+          <a:prstGeom prst="rect">
+            <a:avLst/>
+          </a:prstGeom>
+        </p:spPr>
+      </p:pic>
+    </p:spTree>
+    <p:extLst>
+      <p:ext uri="{BB962C8B-B14F-4D97-AF65-F5344CB8AC3E}">
+        <p14:creationId xmlns:p14="http://schemas.microsoft.com/office/powerpoint/2010/main" val="488346463"/>
       </p:ext>
     </p:extLst>
   </p:cSld>

--- a/DsDotNet/src/UnitTest/UnitTest.Model/ImportOfficeExample/Sample/Lib/Cylinder/Single.pptx
+++ b/DsDotNet/src/UnitTest/UnitTest.Model/ImportOfficeExample/Sample/Lib/Cylinder/Single.pptx
@@ -217,7 +217,7 @@
           <a:p>
             <a:fld id="{DD503887-5801-43A0-AEF9-041E8DDC2558}" type="datetimeFigureOut">
               <a:rPr lang="ko-KR" altLang="en-US" smtClean="0"/>
-              <a:t>2023-09-25</a:t>
+              <a:t>2023-10-04</a:t>
             </a:fld>
             <a:endParaRPr lang="ko-KR" altLang="en-US"/>
           </a:p>
@@ -394,7 +394,7 @@
           <a:p>
             <a:fld id="{95336A0E-57B1-4D4C-BD9B-2F72B5943464}" type="datetimeFigureOut">
               <a:rPr lang="ko-KR" altLang="en-US" smtClean="0"/>
-              <a:t>2023-09-25</a:t>
+              <a:t>2023-10-04</a:t>
             </a:fld>
             <a:endParaRPr lang="ko-KR" altLang="en-US"/>
           </a:p>
@@ -756,7 +756,7 @@
           <a:effectLst/>
           <a:extLst>
             <a:ext uri="{91240B29-F687-4f45-9708-019B960494DF}">
-              <a14:hiddenLine xmlns:a14="http://schemas.microsoft.com/office/drawing/2010/main" xmlns="" w="9525">
+              <a14:hiddenLine xmlns="" xmlns:a14="http://schemas.microsoft.com/office/drawing/2010/main" w="9525">
                 <a:solidFill>
                   <a:srgbClr val="000000"/>
                 </a:solidFill>
@@ -948,7 +948,7 @@
           <a:p>
             <a:fld id="{DEA6EBF0-8E22-42A7-9BEA-2AC7066E6498}" type="datetimeFigureOut">
               <a:rPr lang="ko-KR" altLang="en-US" smtClean="0"/>
-              <a:t>2023-09-25</a:t>
+              <a:t>2023-10-04</a:t>
             </a:fld>
             <a:endParaRPr lang="ko-KR" altLang="en-US"/>
           </a:p>
@@ -1266,7 +1266,7 @@
           <a:p>
             <a:fld id="{DEA6EBF0-8E22-42A7-9BEA-2AC7066E6498}" type="datetimeFigureOut">
               <a:rPr lang="ko-KR" altLang="en-US" smtClean="0"/>
-              <a:t>2023-09-25</a:t>
+              <a:t>2023-10-04</a:t>
             </a:fld>
             <a:endParaRPr lang="ko-KR" altLang="en-US"/>
           </a:p>
@@ -1754,7 +1754,7 @@
           <a:p>
             <a:fld id="{DEA6EBF0-8E22-42A7-9BEA-2AC7066E6498}" type="datetimeFigureOut">
               <a:rPr lang="ko-KR" altLang="en-US" smtClean="0"/>
-              <a:t>2023-09-25</a:t>
+              <a:t>2023-10-04</a:t>
             </a:fld>
             <a:endParaRPr lang="ko-KR" altLang="en-US"/>
           </a:p>
@@ -2123,7 +2123,7 @@
           <a:p>
             <a:fld id="{DEA6EBF0-8E22-42A7-9BEA-2AC7066E6498}" type="datetimeFigureOut">
               <a:rPr lang="ko-KR" altLang="en-US" smtClean="0"/>
-              <a:t>2023-09-25</a:t>
+              <a:t>2023-10-04</a:t>
             </a:fld>
             <a:endParaRPr lang="ko-KR" altLang="en-US"/>
           </a:p>
@@ -2278,7 +2278,7 @@
           <a:ln/>
           <a:extLst>
             <a:ext uri="{91240B29-F687-4f45-9708-019B960494DF}">
-              <a14:hiddenLine xmlns:a14="http://schemas.microsoft.com/office/drawing/2010/main" xmlns="" w="9525">
+              <a14:hiddenLine xmlns="" xmlns:a14="http://schemas.microsoft.com/office/drawing/2010/main" w="9525">
                 <a:solidFill>
                   <a:srgbClr val="000000"/>
                 </a:solidFill>
@@ -2396,7 +2396,7 @@
           <a:p>
             <a:fld id="{DEA6EBF0-8E22-42A7-9BEA-2AC7066E6498}" type="datetimeFigureOut">
               <a:rPr lang="ko-KR" altLang="en-US" smtClean="0"/>
-              <a:t>2023-09-25</a:t>
+              <a:t>2023-10-04</a:t>
             </a:fld>
             <a:endParaRPr lang="ko-KR" altLang="en-US"/>
           </a:p>
@@ -2553,7 +2553,7 @@
           <a:ln/>
           <a:extLst>
             <a:ext uri="{91240B29-F687-4f45-9708-019B960494DF}">
-              <a14:hiddenLine xmlns:a14="http://schemas.microsoft.com/office/drawing/2010/main" xmlns="" w="9525">
+              <a14:hiddenLine xmlns="" xmlns:a14="http://schemas.microsoft.com/office/drawing/2010/main" w="9525">
                 <a:solidFill>
                   <a:srgbClr val="000000"/>
                 </a:solidFill>
@@ -2681,7 +2681,7 @@
           <a:p>
             <a:fld id="{DEA6EBF0-8E22-42A7-9BEA-2AC7066E6498}" type="datetimeFigureOut">
               <a:rPr lang="ko-KR" altLang="en-US" smtClean="0"/>
-              <a:t>2023-09-25</a:t>
+              <a:t>2023-10-04</a:t>
             </a:fld>
             <a:endParaRPr lang="ko-KR" altLang="en-US"/>
           </a:p>
@@ -2799,7 +2799,7 @@
           <a:p>
             <a:fld id="{DEA6EBF0-8E22-42A7-9BEA-2AC7066E6498}" type="datetimeFigureOut">
               <a:rPr lang="ko-KR" altLang="en-US" smtClean="0"/>
-              <a:t>2023-09-25</a:t>
+              <a:t>2023-10-04</a:t>
             </a:fld>
             <a:endParaRPr lang="ko-KR" altLang="en-US"/>
           </a:p>
@@ -2954,7 +2954,7 @@
           <a:ln/>
           <a:extLst>
             <a:ext uri="{91240B29-F687-4f45-9708-019B960494DF}">
-              <a14:hiddenLine xmlns:a14="http://schemas.microsoft.com/office/drawing/2010/main" xmlns="" w="9525">
+              <a14:hiddenLine xmlns="" xmlns:a14="http://schemas.microsoft.com/office/drawing/2010/main" w="9525">
                 <a:solidFill>
                   <a:srgbClr val="000000"/>
                 </a:solidFill>
@@ -3082,7 +3082,7 @@
           <a:p>
             <a:fld id="{DEA6EBF0-8E22-42A7-9BEA-2AC7066E6498}" type="datetimeFigureOut">
               <a:rPr lang="ko-KR" altLang="en-US" smtClean="0"/>
-              <a:t>2023-09-25</a:t>
+              <a:t>2023-10-04</a:t>
             </a:fld>
             <a:endParaRPr lang="ko-KR" altLang="en-US"/>
           </a:p>
@@ -3425,7 +3425,7 @@
           <a:p>
             <a:fld id="{DEA6EBF0-8E22-42A7-9BEA-2AC7066E6498}" type="datetimeFigureOut">
               <a:rPr lang="ko-KR" altLang="en-US" smtClean="0"/>
-              <a:t>2023-09-25</a:t>
+              <a:t>2023-10-04</a:t>
             </a:fld>
             <a:endParaRPr lang="ko-KR" altLang="en-US"/>
           </a:p>
@@ -3580,7 +3580,7 @@
           <a:ln/>
           <a:extLst>
             <a:ext uri="{91240B29-F687-4f45-9708-019B960494DF}">
-              <a14:hiddenLine xmlns:a14="http://schemas.microsoft.com/office/drawing/2010/main" xmlns="" w="9525">
+              <a14:hiddenLine xmlns="" xmlns:a14="http://schemas.microsoft.com/office/drawing/2010/main" w="9525">
                 <a:solidFill>
                   <a:srgbClr val="000000"/>
                 </a:solidFill>
@@ -3764,7 +3764,7 @@
           <a:p>
             <a:fld id="{DEA6EBF0-8E22-42A7-9BEA-2AC7066E6498}" type="datetimeFigureOut">
               <a:rPr lang="ko-KR" altLang="en-US" smtClean="0"/>
-              <a:t>2023-09-25</a:t>
+              <a:t>2023-10-04</a:t>
             </a:fld>
             <a:endParaRPr lang="ko-KR" altLang="en-US"/>
           </a:p>
@@ -3919,7 +3919,7 @@
           <a:ln/>
           <a:extLst>
             <a:ext uri="{91240B29-F687-4f45-9708-019B960494DF}">
-              <a14:hiddenLine xmlns:a14="http://schemas.microsoft.com/office/drawing/2010/main" xmlns="" w="9525">
+              <a14:hiddenLine xmlns="" xmlns:a14="http://schemas.microsoft.com/office/drawing/2010/main" w="9525">
                 <a:solidFill>
                   <a:srgbClr val="000000"/>
                 </a:solidFill>
@@ -4241,7 +4241,7 @@
           <a:p>
             <a:fld id="{DEA6EBF0-8E22-42A7-9BEA-2AC7066E6498}" type="datetimeFigureOut">
               <a:rPr lang="ko-KR" altLang="en-US" smtClean="0"/>
-              <a:t>2023-09-25</a:t>
+              <a:t>2023-10-04</a:t>
             </a:fld>
             <a:endParaRPr lang="ko-KR" altLang="en-US"/>
           </a:p>
@@ -4336,7 +4336,7 @@
           <a:p>
             <a:fld id="{DEA6EBF0-8E22-42A7-9BEA-2AC7066E6498}" type="datetimeFigureOut">
               <a:rPr lang="ko-KR" altLang="en-US" smtClean="0"/>
-              <a:t>2023-09-25</a:t>
+              <a:t>2023-10-04</a:t>
             </a:fld>
             <a:endParaRPr lang="ko-KR" altLang="en-US"/>
           </a:p>
@@ -4604,7 +4604,7 @@
           <a:ln/>
           <a:extLst>
             <a:ext uri="{91240B29-F687-4f45-9708-019B960494DF}">
-              <a14:hiddenLine xmlns:a14="http://schemas.microsoft.com/office/drawing/2010/main" xmlns="" w="9525">
+              <a14:hiddenLine xmlns="" xmlns:a14="http://schemas.microsoft.com/office/drawing/2010/main" w="9525">
                 <a:solidFill>
                   <a:srgbClr val="000000"/>
                 </a:solidFill>
@@ -4803,7 +4803,7 @@
           <a:p>
             <a:fld id="{DEA6EBF0-8E22-42A7-9BEA-2AC7066E6498}" type="datetimeFigureOut">
               <a:rPr lang="ko-KR" altLang="en-US" smtClean="0"/>
-              <a:t>2023-09-25</a:t>
+              <a:t>2023-10-04</a:t>
             </a:fld>
             <a:endParaRPr lang="ko-KR" altLang="en-US"/>
           </a:p>
@@ -5116,7 +5116,7 @@
           <a:p>
             <a:fld id="{DEA6EBF0-8E22-42A7-9BEA-2AC7066E6498}" type="datetimeFigureOut">
               <a:rPr lang="ko-KR" altLang="en-US" smtClean="0"/>
-              <a:t>2023-09-25</a:t>
+              <a:t>2023-10-04</a:t>
             </a:fld>
             <a:endParaRPr lang="ko-KR" altLang="en-US"/>
           </a:p>
@@ -5386,7 +5386,7 @@
           <a:p>
             <a:fld id="{DEA6EBF0-8E22-42A7-9BEA-2AC7066E6498}" type="datetimeFigureOut">
               <a:rPr lang="ko-KR" altLang="en-US" smtClean="0"/>
-              <a:t>2023-09-25</a:t>
+              <a:t>2023-10-04</a:t>
             </a:fld>
             <a:endParaRPr lang="ko-KR" altLang="en-US"/>
           </a:p>
@@ -5819,7 +5819,7 @@
 </file>
 
 <file path=ppt/slides/slide1.xml><?xml version="1.0" encoding="utf-8"?>
-<p:sld xmlns:a="http://schemas.openxmlformats.org/drawingml/2006/main" xmlns:r="http://schemas.openxmlformats.org/officeDocument/2006/relationships" xmlns:p="http://schemas.openxmlformats.org/presentationml/2006/main" show="0">
+<p:sld xmlns:a="http://schemas.openxmlformats.org/drawingml/2006/main" xmlns:r="http://schemas.openxmlformats.org/officeDocument/2006/relationships" xmlns:p="http://schemas.openxmlformats.org/presentationml/2006/main">
   <p:cSld>
     <p:spTree>
       <p:nvGrpSpPr>
@@ -5858,7 +5858,7 @@
           <a:p>
             <a:r>
               <a:rPr lang="en-US" altLang="ko-KR" dirty="0"/>
-              <a:t>Cylinder</a:t>
+              <a:t>Single</a:t>
             </a:r>
             <a:endParaRPr lang="ko-KR" altLang="en-US" dirty="0"/>
           </a:p>

--- a/DsDotNet/src/UnitTest/UnitTest.Model/ImportOfficeExample/Sample/Lib/Cylinder/Single.pptx
+++ b/DsDotNet/src/UnitTest/UnitTest.Model/ImportOfficeExample/Sample/Lib/Cylinder/Single.pptx
@@ -217,7 +217,7 @@
           <a:p>
             <a:fld id="{DD503887-5801-43A0-AEF9-041E8DDC2558}" type="datetimeFigureOut">
               <a:rPr lang="ko-KR" altLang="en-US" smtClean="0"/>
-              <a:t>2023-10-04</a:t>
+              <a:t>2024-05-30</a:t>
             </a:fld>
             <a:endParaRPr lang="ko-KR" altLang="en-US"/>
           </a:p>
@@ -394,7 +394,7 @@
           <a:p>
             <a:fld id="{95336A0E-57B1-4D4C-BD9B-2F72B5943464}" type="datetimeFigureOut">
               <a:rPr lang="ko-KR" altLang="en-US" smtClean="0"/>
-              <a:t>2023-10-04</a:t>
+              <a:t>2024-05-30</a:t>
             </a:fld>
             <a:endParaRPr lang="ko-KR" altLang="en-US"/>
           </a:p>
@@ -948,7 +948,7 @@
           <a:p>
             <a:fld id="{DEA6EBF0-8E22-42A7-9BEA-2AC7066E6498}" type="datetimeFigureOut">
               <a:rPr lang="ko-KR" altLang="en-US" smtClean="0"/>
-              <a:t>2023-10-04</a:t>
+              <a:t>2024-05-30</a:t>
             </a:fld>
             <a:endParaRPr lang="ko-KR" altLang="en-US"/>
           </a:p>
@@ -1266,7 +1266,7 @@
           <a:p>
             <a:fld id="{DEA6EBF0-8E22-42A7-9BEA-2AC7066E6498}" type="datetimeFigureOut">
               <a:rPr lang="ko-KR" altLang="en-US" smtClean="0"/>
-              <a:t>2023-10-04</a:t>
+              <a:t>2024-05-30</a:t>
             </a:fld>
             <a:endParaRPr lang="ko-KR" altLang="en-US"/>
           </a:p>
@@ -1754,7 +1754,7 @@
           <a:p>
             <a:fld id="{DEA6EBF0-8E22-42A7-9BEA-2AC7066E6498}" type="datetimeFigureOut">
               <a:rPr lang="ko-KR" altLang="en-US" smtClean="0"/>
-              <a:t>2023-10-04</a:t>
+              <a:t>2024-05-30</a:t>
             </a:fld>
             <a:endParaRPr lang="ko-KR" altLang="en-US"/>
           </a:p>
@@ -2123,7 +2123,7 @@
           <a:p>
             <a:fld id="{DEA6EBF0-8E22-42A7-9BEA-2AC7066E6498}" type="datetimeFigureOut">
               <a:rPr lang="ko-KR" altLang="en-US" smtClean="0"/>
-              <a:t>2023-10-04</a:t>
+              <a:t>2024-05-30</a:t>
             </a:fld>
             <a:endParaRPr lang="ko-KR" altLang="en-US"/>
           </a:p>
@@ -2396,7 +2396,7 @@
           <a:p>
             <a:fld id="{DEA6EBF0-8E22-42A7-9BEA-2AC7066E6498}" type="datetimeFigureOut">
               <a:rPr lang="ko-KR" altLang="en-US" smtClean="0"/>
-              <a:t>2023-10-04</a:t>
+              <a:t>2024-05-30</a:t>
             </a:fld>
             <a:endParaRPr lang="ko-KR" altLang="en-US"/>
           </a:p>
@@ -2681,7 +2681,7 @@
           <a:p>
             <a:fld id="{DEA6EBF0-8E22-42A7-9BEA-2AC7066E6498}" type="datetimeFigureOut">
               <a:rPr lang="ko-KR" altLang="en-US" smtClean="0"/>
-              <a:t>2023-10-04</a:t>
+              <a:t>2024-05-30</a:t>
             </a:fld>
             <a:endParaRPr lang="ko-KR" altLang="en-US"/>
           </a:p>
@@ -2799,7 +2799,7 @@
           <a:p>
             <a:fld id="{DEA6EBF0-8E22-42A7-9BEA-2AC7066E6498}" type="datetimeFigureOut">
               <a:rPr lang="ko-KR" altLang="en-US" smtClean="0"/>
-              <a:t>2023-10-04</a:t>
+              <a:t>2024-05-30</a:t>
             </a:fld>
             <a:endParaRPr lang="ko-KR" altLang="en-US"/>
           </a:p>
@@ -3082,7 +3082,7 @@
           <a:p>
             <a:fld id="{DEA6EBF0-8E22-42A7-9BEA-2AC7066E6498}" type="datetimeFigureOut">
               <a:rPr lang="ko-KR" altLang="en-US" smtClean="0"/>
-              <a:t>2023-10-04</a:t>
+              <a:t>2024-05-30</a:t>
             </a:fld>
             <a:endParaRPr lang="ko-KR" altLang="en-US"/>
           </a:p>
@@ -3425,7 +3425,7 @@
           <a:p>
             <a:fld id="{DEA6EBF0-8E22-42A7-9BEA-2AC7066E6498}" type="datetimeFigureOut">
               <a:rPr lang="ko-KR" altLang="en-US" smtClean="0"/>
-              <a:t>2023-10-04</a:t>
+              <a:t>2024-05-30</a:t>
             </a:fld>
             <a:endParaRPr lang="ko-KR" altLang="en-US"/>
           </a:p>
@@ -3764,7 +3764,7 @@
           <a:p>
             <a:fld id="{DEA6EBF0-8E22-42A7-9BEA-2AC7066E6498}" type="datetimeFigureOut">
               <a:rPr lang="ko-KR" altLang="en-US" smtClean="0"/>
-              <a:t>2023-10-04</a:t>
+              <a:t>2024-05-30</a:t>
             </a:fld>
             <a:endParaRPr lang="ko-KR" altLang="en-US"/>
           </a:p>
@@ -4241,7 +4241,7 @@
           <a:p>
             <a:fld id="{DEA6EBF0-8E22-42A7-9BEA-2AC7066E6498}" type="datetimeFigureOut">
               <a:rPr lang="ko-KR" altLang="en-US" smtClean="0"/>
-              <a:t>2023-10-04</a:t>
+              <a:t>2024-05-30</a:t>
             </a:fld>
             <a:endParaRPr lang="ko-KR" altLang="en-US"/>
           </a:p>
@@ -4336,7 +4336,7 @@
           <a:p>
             <a:fld id="{DEA6EBF0-8E22-42A7-9BEA-2AC7066E6498}" type="datetimeFigureOut">
               <a:rPr lang="ko-KR" altLang="en-US" smtClean="0"/>
-              <a:t>2023-10-04</a:t>
+              <a:t>2024-05-30</a:t>
             </a:fld>
             <a:endParaRPr lang="ko-KR" altLang="en-US"/>
           </a:p>
@@ -4803,7 +4803,7 @@
           <a:p>
             <a:fld id="{DEA6EBF0-8E22-42A7-9BEA-2AC7066E6498}" type="datetimeFigureOut">
               <a:rPr lang="ko-KR" altLang="en-US" smtClean="0"/>
-              <a:t>2023-10-04</a:t>
+              <a:t>2024-05-30</a:t>
             </a:fld>
             <a:endParaRPr lang="ko-KR" altLang="en-US"/>
           </a:p>
@@ -5116,7 +5116,7 @@
           <a:p>
             <a:fld id="{DEA6EBF0-8E22-42A7-9BEA-2AC7066E6498}" type="datetimeFigureOut">
               <a:rPr lang="ko-KR" altLang="en-US" smtClean="0"/>
-              <a:t>2023-10-04</a:t>
+              <a:t>2024-05-30</a:t>
             </a:fld>
             <a:endParaRPr lang="ko-KR" altLang="en-US"/>
           </a:p>
@@ -5386,7 +5386,7 @@
           <a:p>
             <a:fld id="{DEA6EBF0-8E22-42A7-9BEA-2AC7066E6498}" type="datetimeFigureOut">
               <a:rPr lang="ko-KR" altLang="en-US" smtClean="0"/>
-              <a:t>2023-10-04</a:t>
+              <a:t>2024-05-30</a:t>
             </a:fld>
             <a:endParaRPr lang="ko-KR" altLang="en-US"/>
           </a:p>
@@ -6415,17 +6415,17 @@
           <a:p>
             <a:pPr algn="ctr"/>
             <a:r>
-              <a:rPr lang="en-US" altLang="ko-KR" sz="1200" dirty="0"/>
+              <a:rPr lang="en-US" altLang="ko-KR" sz="1200" u="sng" dirty="0"/>
               <a:t>Sensor</a:t>
             </a:r>
           </a:p>
           <a:p>
             <a:pPr algn="ctr"/>
             <a:r>
-              <a:rPr lang="en-US" altLang="ko-KR" sz="1200" dirty="0"/>
+              <a:rPr lang="en-US" altLang="ko-KR" sz="1200" u="sng" dirty="0"/>
               <a:t>RET</a:t>
             </a:r>
-            <a:endParaRPr lang="ko-KR" altLang="en-US" sz="1200" dirty="0"/>
+            <a:endParaRPr lang="ko-KR" altLang="en-US" sz="1200" u="sng" dirty="0"/>
           </a:p>
         </p:txBody>
       </p:sp>
@@ -6528,7 +6528,7 @@
         </p:nvSpPr>
         <p:spPr>
           <a:xfrm>
-            <a:off x="9535386" y="2236091"/>
+            <a:off x="8955660" y="2745052"/>
             <a:ext cx="2617433" cy="690024"/>
           </a:xfrm>
           <a:prstGeom prst="homePlate">
@@ -6621,7 +6621,7 @@
         </p:nvSpPr>
         <p:spPr>
           <a:xfrm>
-            <a:off x="9535385" y="3015569"/>
+            <a:off x="8955659" y="3524530"/>
             <a:ext cx="2617433" cy="690024"/>
           </a:xfrm>
           <a:prstGeom prst="homePlate">
@@ -6660,286 +6660,28 @@
           <a:p>
             <a:pPr algn="ctr"/>
             <a:r>
-              <a:rPr lang="en-US" altLang="ko-KR" sz="1050" dirty="0">
-                <a:ea typeface="현대하모니 M" panose="02020603020101020101"/>
-              </a:rPr>
+              <a:rPr lang="en-US" altLang="ko-KR" sz="1400" dirty="0"/>
               <a:t>RET</a:t>
             </a:r>
           </a:p>
           <a:p>
             <a:pPr algn="ctr"/>
             <a:r>
-              <a:rPr lang="en-US" altLang="ko-KR" sz="1050" dirty="0">
-                <a:ea typeface="현대하모니 M" panose="02020603020101020101"/>
-              </a:rPr>
-              <a:t>[</a:t>
-            </a:r>
-            <a:r>
-              <a:rPr lang="en-US" altLang="ko-KR" sz="1050" dirty="0"/>
-              <a:t>SpringPower </a:t>
-            </a:r>
-            <a:r>
-              <a:rPr lang="en-US" altLang="ko-KR" sz="1050" dirty="0">
-                <a:ea typeface="현대하모니 M" panose="02020603020101020101"/>
-              </a:rPr>
-              <a:t>~ </a:t>
-            </a:r>
-            <a:r>
-              <a:rPr lang="en-US" altLang="ko-KR" sz="1050" dirty="0"/>
+              <a:rPr lang="en-US" altLang="ko-KR" sz="1400" dirty="0"/>
+              <a:t>[SpringPower ~ </a:t>
+            </a:r>
+            <a:r>
+              <a:rPr lang="en-US" altLang="ko-KR" sz="1400" dirty="0" err="1"/>
               <a:t>SensorRET</a:t>
             </a:r>
             <a:r>
-              <a:rPr lang="en-US" altLang="ko-KR" sz="1050" dirty="0">
-                <a:ea typeface="현대하모니 M" panose="02020603020101020101"/>
-              </a:rPr>
+              <a:rPr lang="en-US" altLang="ko-KR" sz="1400" dirty="0"/>
               <a:t>]</a:t>
             </a:r>
-            <a:endParaRPr lang="ko-KR" altLang="en-US" sz="1050" dirty="0">
-              <a:ea typeface="현대하모니 M" panose="02020603020101020101"/>
-            </a:endParaRPr>
-          </a:p>
-        </p:txBody>
-      </p:sp>
-      <p:cxnSp>
-        <p:nvCxnSpPr>
-          <p:cNvPr id="82" name="연결선: 꺾임 81">
-            <a:extLst>
-              <a:ext uri="{FF2B5EF4-FFF2-40B4-BE49-F238E27FC236}">
-                <a16:creationId xmlns:a16="http://schemas.microsoft.com/office/drawing/2014/main" id="{F7145B42-2C09-D6CE-2298-12CF80CB6686}"/>
-              </a:ext>
-            </a:extLst>
-          </p:cNvPr>
-          <p:cNvCxnSpPr>
-            <a:cxnSpLocks/>
-            <a:stCxn id="81" idx="1"/>
-            <a:endCxn id="80" idx="1"/>
-          </p:cNvCxnSpPr>
-          <p:nvPr/>
-        </p:nvCxnSpPr>
-        <p:spPr>
-          <a:xfrm rot="10800000" flipH="1">
-            <a:off x="9535384" y="2581103"/>
-            <a:ext cx="1" cy="779478"/>
-          </a:xfrm>
-          <a:prstGeom prst="bentConnector3">
-            <a:avLst>
-              <a:gd name="adj1" fmla="val -22860000000"/>
-            </a:avLst>
-          </a:prstGeom>
-          <a:ln w="57150" cmpd="dbl">
-            <a:solidFill>
-              <a:schemeClr val="accent6"/>
-            </a:solidFill>
-            <a:prstDash val="dash"/>
-            <a:headEnd type="triangle" w="med" len="med"/>
-            <a:tailEnd type="triangle" w="med" len="med"/>
-          </a:ln>
-        </p:spPr>
-        <p:style>
-          <a:lnRef idx="1">
-            <a:schemeClr val="accent1"/>
-          </a:lnRef>
-          <a:fillRef idx="0">
-            <a:schemeClr val="accent1"/>
-          </a:fillRef>
-          <a:effectRef idx="0">
-            <a:schemeClr val="accent1"/>
-          </a:effectRef>
-          <a:fontRef idx="minor">
-            <a:schemeClr val="tx1"/>
-          </a:fontRef>
-        </p:style>
-      </p:cxnSp>
-      <p:cxnSp>
-        <p:nvCxnSpPr>
-          <p:cNvPr id="4" name="연결선: 꺾임 3">
-            <a:extLst>
-              <a:ext uri="{FF2B5EF4-FFF2-40B4-BE49-F238E27FC236}">
-                <a16:creationId xmlns:a16="http://schemas.microsoft.com/office/drawing/2014/main" id="{4E54C3BB-7447-B34B-FBA0-7CDE26CE0B30}"/>
-              </a:ext>
-            </a:extLst>
-          </p:cNvPr>
-          <p:cNvCxnSpPr>
-            <a:cxnSpLocks/>
-            <a:stCxn id="68" idx="0"/>
-            <a:endCxn id="57" idx="2"/>
-          </p:cNvCxnSpPr>
-          <p:nvPr/>
-        </p:nvCxnSpPr>
-        <p:spPr>
-          <a:xfrm rot="16200000" flipV="1">
-            <a:off x="3989579" y="4332590"/>
-            <a:ext cx="1089996" cy="540306"/>
-          </a:xfrm>
-          <a:prstGeom prst="bentConnector3">
-            <a:avLst>
-              <a:gd name="adj1" fmla="val 50000"/>
-            </a:avLst>
-          </a:prstGeom>
-          <a:ln w="57150" cmpd="dbl">
-            <a:solidFill>
-              <a:schemeClr val="accent6"/>
-            </a:solidFill>
-            <a:prstDash val="dash"/>
-            <a:headEnd type="triangle" w="med" len="med"/>
-            <a:tailEnd type="triangle" w="med" len="med"/>
-          </a:ln>
-        </p:spPr>
-        <p:style>
-          <a:lnRef idx="1">
-            <a:schemeClr val="accent1"/>
-          </a:lnRef>
-          <a:fillRef idx="0">
-            <a:schemeClr val="accent1"/>
-          </a:fillRef>
-          <a:effectRef idx="0">
-            <a:schemeClr val="accent1"/>
-          </a:effectRef>
-          <a:fontRef idx="minor">
-            <a:schemeClr val="tx1"/>
-          </a:fontRef>
-        </p:style>
-      </p:cxnSp>
-      <p:cxnSp>
-        <p:nvCxnSpPr>
-          <p:cNvPr id="12" name="연결선: 꺾임 11">
-            <a:extLst>
-              <a:ext uri="{FF2B5EF4-FFF2-40B4-BE49-F238E27FC236}">
-                <a16:creationId xmlns:a16="http://schemas.microsoft.com/office/drawing/2014/main" id="{7F33A159-63C2-73E5-0693-383E04CD8793}"/>
-              </a:ext>
-            </a:extLst>
-          </p:cNvPr>
-          <p:cNvCxnSpPr>
-            <a:cxnSpLocks/>
-            <a:stCxn id="67" idx="0"/>
-            <a:endCxn id="56" idx="2"/>
-          </p:cNvCxnSpPr>
-          <p:nvPr/>
-        </p:nvCxnSpPr>
-        <p:spPr>
-          <a:xfrm rot="16200000" flipV="1">
-            <a:off x="2204322" y="4332590"/>
-            <a:ext cx="1089996" cy="540306"/>
-          </a:xfrm>
-          <a:prstGeom prst="bentConnector3">
-            <a:avLst>
-              <a:gd name="adj1" fmla="val 50000"/>
-            </a:avLst>
-          </a:prstGeom>
-          <a:ln w="57150" cmpd="dbl">
-            <a:solidFill>
-              <a:schemeClr val="accent6"/>
-            </a:solidFill>
-            <a:prstDash val="dash"/>
-            <a:headEnd type="triangle" w="med" len="med"/>
-            <a:tailEnd type="triangle" w="med" len="med"/>
-          </a:ln>
-        </p:spPr>
-        <p:style>
-          <a:lnRef idx="1">
-            <a:schemeClr val="accent1"/>
-          </a:lnRef>
-          <a:fillRef idx="0">
-            <a:schemeClr val="accent1"/>
-          </a:fillRef>
-          <a:effectRef idx="0">
-            <a:schemeClr val="accent1"/>
-          </a:effectRef>
-          <a:fontRef idx="minor">
-            <a:schemeClr val="tx1"/>
-          </a:fontRef>
-        </p:style>
-      </p:cxnSp>
-      <p:cxnSp>
-        <p:nvCxnSpPr>
-          <p:cNvPr id="6" name="직선 화살표 연결선 5">
-            <a:extLst>
-              <a:ext uri="{FF2B5EF4-FFF2-40B4-BE49-F238E27FC236}">
-                <a16:creationId xmlns:a16="http://schemas.microsoft.com/office/drawing/2014/main" id="{DF280476-EF41-7429-66AB-F6B3AF2625F8}"/>
-              </a:ext>
-            </a:extLst>
-          </p:cNvPr>
-          <p:cNvCxnSpPr>
-            <a:cxnSpLocks/>
-            <a:stCxn id="68" idx="0"/>
-            <a:endCxn id="58" idx="2"/>
-          </p:cNvCxnSpPr>
-          <p:nvPr/>
-        </p:nvCxnSpPr>
-        <p:spPr>
-          <a:xfrm flipV="1">
-            <a:off x="4804730" y="4057745"/>
-            <a:ext cx="1244951" cy="1089996"/>
-          </a:xfrm>
-          <a:prstGeom prst="straightConnector1">
-            <a:avLst/>
-          </a:prstGeom>
-          <a:ln w="57150" cmpd="dbl">
-            <a:prstDash val="dash"/>
-            <a:headEnd type="none" w="med" len="med"/>
-            <a:tailEnd type="triangle" w="med" len="med"/>
-          </a:ln>
-        </p:spPr>
-        <p:style>
-          <a:lnRef idx="1">
-            <a:schemeClr val="accent1"/>
-          </a:lnRef>
-          <a:fillRef idx="0">
-            <a:schemeClr val="accent1"/>
-          </a:fillRef>
-          <a:effectRef idx="0">
-            <a:schemeClr val="accent1"/>
-          </a:effectRef>
-          <a:fontRef idx="minor">
-            <a:schemeClr val="tx1"/>
-          </a:fontRef>
-        </p:style>
-      </p:cxnSp>
-      <p:cxnSp>
-        <p:nvCxnSpPr>
-          <p:cNvPr id="7" name="직선 화살표 연결선 6">
-            <a:extLst>
-              <a:ext uri="{FF2B5EF4-FFF2-40B4-BE49-F238E27FC236}">
-                <a16:creationId xmlns:a16="http://schemas.microsoft.com/office/drawing/2014/main" id="{EE7EB334-56BE-83F0-B0C4-34EB1942DC1A}"/>
-              </a:ext>
-            </a:extLst>
-          </p:cNvPr>
-          <p:cNvCxnSpPr>
-            <a:cxnSpLocks/>
-            <a:stCxn id="57" idx="2"/>
-            <a:endCxn id="69" idx="0"/>
-          </p:cNvCxnSpPr>
-          <p:nvPr/>
-        </p:nvCxnSpPr>
-        <p:spPr>
-          <a:xfrm>
-            <a:off x="4264424" y="4057745"/>
-            <a:ext cx="2325563" cy="1089996"/>
-          </a:xfrm>
-          <a:prstGeom prst="straightConnector1">
-            <a:avLst/>
-          </a:prstGeom>
-          <a:ln w="57150" cmpd="dbl">
-            <a:prstDash val="dash"/>
-            <a:headEnd type="none" w="med" len="med"/>
-            <a:tailEnd type="triangle" w="med" len="med"/>
-          </a:ln>
-        </p:spPr>
-        <p:style>
-          <a:lnRef idx="1">
-            <a:schemeClr val="accent1"/>
-          </a:lnRef>
-          <a:fillRef idx="0">
-            <a:schemeClr val="accent1"/>
-          </a:fillRef>
-          <a:effectRef idx="0">
-            <a:schemeClr val="accent1"/>
-          </a:effectRef>
-          <a:fontRef idx="minor">
-            <a:schemeClr val="tx1"/>
-          </a:fontRef>
-        </p:style>
-      </p:cxnSp>
+            <a:endParaRPr lang="ko-KR" altLang="en-US" sz="1400" dirty="0"/>
+          </a:p>
+        </p:txBody>
+      </p:sp>
       <p:pic>
         <p:nvPicPr>
           <p:cNvPr id="5" name="그림 4">
@@ -7051,6 +6793,237 @@
           </a:prstGeom>
         </p:spPr>
       </p:pic>
+      <p:cxnSp>
+        <p:nvCxnSpPr>
+          <p:cNvPr id="3" name="연결선: 꺾임 2">
+            <a:extLst>
+              <a:ext uri="{FF2B5EF4-FFF2-40B4-BE49-F238E27FC236}">
+                <a16:creationId xmlns:a16="http://schemas.microsoft.com/office/drawing/2014/main" id="{49DC2C1D-F6A5-391D-1BE0-E237B9B0EEF6}"/>
+              </a:ext>
+            </a:extLst>
+          </p:cNvPr>
+          <p:cNvCxnSpPr>
+            <a:cxnSpLocks/>
+            <a:stCxn id="56" idx="2"/>
+            <a:endCxn id="67" idx="0"/>
+          </p:cNvCxnSpPr>
+          <p:nvPr/>
+        </p:nvCxnSpPr>
+        <p:spPr>
+          <a:xfrm rot="16200000" flipH="1">
+            <a:off x="2204322" y="4332590"/>
+            <a:ext cx="1089996" cy="540306"/>
+          </a:xfrm>
+          <a:prstGeom prst="bentConnector3">
+            <a:avLst>
+              <a:gd name="adj1" fmla="val 50000"/>
+            </a:avLst>
+          </a:prstGeom>
+          <a:ln w="25400">
+            <a:prstDash val="dash"/>
+            <a:headEnd type="triangle" w="lg" len="lg"/>
+            <a:tailEnd type="triangle" w="lg" len="lg"/>
+          </a:ln>
+        </p:spPr>
+        <p:style>
+          <a:lnRef idx="1">
+            <a:schemeClr val="accent1"/>
+          </a:lnRef>
+          <a:fillRef idx="0">
+            <a:schemeClr val="accent1"/>
+          </a:fillRef>
+          <a:effectRef idx="0">
+            <a:schemeClr val="accent1"/>
+          </a:effectRef>
+          <a:fontRef idx="minor">
+            <a:schemeClr val="tx1"/>
+          </a:fontRef>
+        </p:style>
+      </p:cxnSp>
+      <p:cxnSp>
+        <p:nvCxnSpPr>
+          <p:cNvPr id="9" name="연결선: 꺾임 8">
+            <a:extLst>
+              <a:ext uri="{FF2B5EF4-FFF2-40B4-BE49-F238E27FC236}">
+                <a16:creationId xmlns:a16="http://schemas.microsoft.com/office/drawing/2014/main" id="{4BC52EF9-FAE3-54FC-5858-2AF9466E712C}"/>
+              </a:ext>
+            </a:extLst>
+          </p:cNvPr>
+          <p:cNvCxnSpPr>
+            <a:cxnSpLocks/>
+            <a:stCxn id="57" idx="2"/>
+            <a:endCxn id="68" idx="0"/>
+          </p:cNvCxnSpPr>
+          <p:nvPr/>
+        </p:nvCxnSpPr>
+        <p:spPr>
+          <a:xfrm rot="16200000" flipH="1">
+            <a:off x="3989579" y="4332590"/>
+            <a:ext cx="1089996" cy="540306"/>
+          </a:xfrm>
+          <a:prstGeom prst="bentConnector3">
+            <a:avLst>
+              <a:gd name="adj1" fmla="val 50000"/>
+            </a:avLst>
+          </a:prstGeom>
+          <a:ln w="25400">
+            <a:prstDash val="dash"/>
+            <a:headEnd type="triangle" w="lg" len="lg"/>
+            <a:tailEnd type="triangle" w="lg" len="lg"/>
+          </a:ln>
+        </p:spPr>
+        <p:style>
+          <a:lnRef idx="1">
+            <a:schemeClr val="accent1"/>
+          </a:lnRef>
+          <a:fillRef idx="0">
+            <a:schemeClr val="accent1"/>
+          </a:fillRef>
+          <a:effectRef idx="0">
+            <a:schemeClr val="accent1"/>
+          </a:effectRef>
+          <a:fontRef idx="minor">
+            <a:schemeClr val="tx1"/>
+          </a:fontRef>
+        </p:style>
+      </p:cxnSp>
+      <p:cxnSp>
+        <p:nvCxnSpPr>
+          <p:cNvPr id="16" name="직선 화살표 연결선 15">
+            <a:extLst>
+              <a:ext uri="{FF2B5EF4-FFF2-40B4-BE49-F238E27FC236}">
+                <a16:creationId xmlns:a16="http://schemas.microsoft.com/office/drawing/2014/main" id="{67244CFB-32BE-D4EC-5140-9BC22E2877C2}"/>
+              </a:ext>
+            </a:extLst>
+          </p:cNvPr>
+          <p:cNvCxnSpPr>
+            <a:cxnSpLocks/>
+            <a:stCxn id="57" idx="2"/>
+            <a:endCxn id="69" idx="0"/>
+          </p:cNvCxnSpPr>
+          <p:nvPr/>
+        </p:nvCxnSpPr>
+        <p:spPr>
+          <a:xfrm>
+            <a:off x="4264424" y="4057745"/>
+            <a:ext cx="2325563" cy="1089996"/>
+          </a:xfrm>
+          <a:prstGeom prst="straightConnector1">
+            <a:avLst/>
+          </a:prstGeom>
+          <a:ln w="25400">
+            <a:prstDash val="dash"/>
+            <a:headEnd w="lg" len="lg"/>
+            <a:tailEnd type="triangle" w="lg" len="lg"/>
+          </a:ln>
+        </p:spPr>
+        <p:style>
+          <a:lnRef idx="1">
+            <a:schemeClr val="accent1"/>
+          </a:lnRef>
+          <a:fillRef idx="0">
+            <a:schemeClr val="accent1"/>
+          </a:fillRef>
+          <a:effectRef idx="0">
+            <a:schemeClr val="accent1"/>
+          </a:effectRef>
+          <a:fontRef idx="minor">
+            <a:schemeClr val="tx1"/>
+          </a:fontRef>
+        </p:style>
+      </p:cxnSp>
+      <p:cxnSp>
+        <p:nvCxnSpPr>
+          <p:cNvPr id="19" name="직선 화살표 연결선 18">
+            <a:extLst>
+              <a:ext uri="{FF2B5EF4-FFF2-40B4-BE49-F238E27FC236}">
+                <a16:creationId xmlns:a16="http://schemas.microsoft.com/office/drawing/2014/main" id="{DD2CC004-6C9D-A924-EB12-EED800C17133}"/>
+              </a:ext>
+            </a:extLst>
+          </p:cNvPr>
+          <p:cNvCxnSpPr>
+            <a:cxnSpLocks/>
+            <a:stCxn id="68" idx="0"/>
+            <a:endCxn id="58" idx="2"/>
+          </p:cNvCxnSpPr>
+          <p:nvPr/>
+        </p:nvCxnSpPr>
+        <p:spPr>
+          <a:xfrm flipV="1">
+            <a:off x="4804730" y="4057745"/>
+            <a:ext cx="1244951" cy="1089996"/>
+          </a:xfrm>
+          <a:prstGeom prst="straightConnector1">
+            <a:avLst/>
+          </a:prstGeom>
+          <a:ln w="25400">
+            <a:prstDash val="dash"/>
+            <a:headEnd w="lg" len="lg"/>
+            <a:tailEnd type="triangle" w="lg" len="lg"/>
+          </a:ln>
+        </p:spPr>
+        <p:style>
+          <a:lnRef idx="1">
+            <a:schemeClr val="accent1"/>
+          </a:lnRef>
+          <a:fillRef idx="0">
+            <a:schemeClr val="accent1"/>
+          </a:fillRef>
+          <a:effectRef idx="0">
+            <a:schemeClr val="accent1"/>
+          </a:effectRef>
+          <a:fontRef idx="minor">
+            <a:schemeClr val="tx1"/>
+          </a:fontRef>
+        </p:style>
+      </p:cxnSp>
+      <p:cxnSp>
+        <p:nvCxnSpPr>
+          <p:cNvPr id="23" name="연결선: 꺾임 22">
+            <a:extLst>
+              <a:ext uri="{FF2B5EF4-FFF2-40B4-BE49-F238E27FC236}">
+                <a16:creationId xmlns:a16="http://schemas.microsoft.com/office/drawing/2014/main" id="{2DD23C88-7898-16A4-6826-B51C6398FAD6}"/>
+              </a:ext>
+            </a:extLst>
+          </p:cNvPr>
+          <p:cNvCxnSpPr>
+            <a:cxnSpLocks/>
+            <a:stCxn id="81" idx="3"/>
+            <a:endCxn id="80" idx="3"/>
+          </p:cNvCxnSpPr>
+          <p:nvPr/>
+        </p:nvCxnSpPr>
+        <p:spPr>
+          <a:xfrm flipV="1">
+            <a:off x="11573092" y="3090064"/>
+            <a:ext cx="1" cy="779478"/>
+          </a:xfrm>
+          <a:prstGeom prst="bentConnector3">
+            <a:avLst>
+              <a:gd name="adj1" fmla="val 22860100000"/>
+            </a:avLst>
+          </a:prstGeom>
+          <a:ln w="25400">
+            <a:prstDash val="dash"/>
+            <a:headEnd type="triangle" w="lg" len="lg"/>
+            <a:tailEnd type="triangle" w="lg" len="lg"/>
+          </a:ln>
+        </p:spPr>
+        <p:style>
+          <a:lnRef idx="1">
+            <a:schemeClr val="accent1"/>
+          </a:lnRef>
+          <a:fillRef idx="0">
+            <a:schemeClr val="accent1"/>
+          </a:fillRef>
+          <a:effectRef idx="0">
+            <a:schemeClr val="accent1"/>
+          </a:effectRef>
+          <a:fontRef idx="minor">
+            <a:schemeClr val="tx1"/>
+          </a:fontRef>
+        </p:style>
+      </p:cxnSp>
     </p:spTree>
     <p:extLst>
       <p:ext uri="{BB962C8B-B14F-4D97-AF65-F5344CB8AC3E}">
@@ -7222,17 +7195,17 @@
           <a:p>
             <a:pPr algn="ctr"/>
             <a:r>
-              <a:rPr lang="en-US" altLang="ko-KR" sz="1200" dirty="0"/>
+              <a:rPr lang="en-US" altLang="ko-KR" sz="1200" u="sng" dirty="0"/>
               <a:t>Spring</a:t>
             </a:r>
           </a:p>
           <a:p>
             <a:pPr algn="ctr"/>
             <a:r>
-              <a:rPr lang="en-US" altLang="ko-KR" sz="1200" dirty="0"/>
+              <a:rPr lang="en-US" altLang="ko-KR" sz="1200" u="sng" dirty="0"/>
               <a:t>Power</a:t>
             </a:r>
-            <a:endParaRPr lang="ko-KR" altLang="en-US" sz="1200" dirty="0"/>
+            <a:endParaRPr lang="ko-KR" altLang="en-US" sz="1200" u="sng" dirty="0"/>
           </a:p>
         </p:txBody>
       </p:sp>
@@ -7250,7 +7223,7 @@
         </p:nvSpPr>
         <p:spPr>
           <a:xfrm>
-            <a:off x="9535386" y="2236091"/>
+            <a:off x="9129750" y="2370261"/>
             <a:ext cx="2617433" cy="690024"/>
           </a:xfrm>
           <a:prstGeom prst="homePlate">
@@ -7288,44 +7261,26 @@
           <a:lstStyle/>
           <a:p>
             <a:pPr algn="ctr"/>
-            <a:r>
-              <a:rPr lang="en-US" altLang="ko-KR" sz="1100" dirty="0">
-                <a:ea typeface="현대하모니 M" panose="02020603020101020101"/>
-              </a:rPr>
-              <a:t>ADV</a:t>
-            </a:r>
+            <a:endParaRPr lang="en-US" altLang="ko-KR" sz="1400" dirty="0"/>
           </a:p>
           <a:p>
             <a:pPr algn="ctr"/>
             <a:r>
-              <a:rPr lang="en-US" altLang="ko-KR" sz="1100" dirty="0">
-                <a:ea typeface="현대하모니 M" panose="02020603020101020101"/>
-              </a:rPr>
+              <a:rPr lang="en-US" altLang="ko-KR" sz="1400"/>
+              <a:t>RET</a:t>
+            </a:r>
+          </a:p>
+          <a:p>
+            <a:pPr algn="ctr"/>
+            <a:r>
+              <a:rPr lang="en-US" altLang="ko-KR" sz="1400"/>
               <a:t>[</a:t>
             </a:r>
             <a:r>
-              <a:rPr lang="en-US" altLang="ko-KR" sz="1100" dirty="0"/>
-              <a:t>ValveADV </a:t>
-            </a:r>
-            <a:r>
-              <a:rPr lang="en-US" altLang="ko-KR" sz="1100" dirty="0">
-                <a:ea typeface="현대하모니 M" panose="02020603020101020101"/>
-              </a:rPr>
-              <a:t>~ </a:t>
-            </a:r>
-            <a:r>
-              <a:rPr lang="en-US" altLang="ko-KR" sz="1100" dirty="0"/>
-              <a:t>ValveADV</a:t>
-            </a:r>
-            <a:r>
-              <a:rPr lang="en-US" altLang="ko-KR" sz="1100" dirty="0">
-                <a:ea typeface="현대하모니 M" panose="02020603020101020101"/>
-              </a:rPr>
-              <a:t>]</a:t>
-            </a:r>
-            <a:endParaRPr lang="ko-KR" altLang="en-US" sz="1100" dirty="0">
-              <a:ea typeface="현대하모니 M" panose="02020603020101020101"/>
-            </a:endParaRPr>
+              <a:rPr lang="en-US" altLang="ko-KR" sz="1400" dirty="0"/>
+              <a:t>ValveADV ~ ValveADV]</a:t>
+            </a:r>
+            <a:endParaRPr lang="ko-KR" altLang="en-US" sz="1400" dirty="0"/>
           </a:p>
         </p:txBody>
       </p:sp>
@@ -7343,7 +7298,7 @@
         </p:nvSpPr>
         <p:spPr>
           <a:xfrm>
-            <a:off x="9535385" y="3015569"/>
+            <a:off x="9129749" y="3149739"/>
             <a:ext cx="2617433" cy="690024"/>
           </a:xfrm>
           <a:prstGeom prst="homePlate">
@@ -7382,146 +7337,20 @@
           <a:p>
             <a:pPr algn="ctr"/>
             <a:r>
-              <a:rPr lang="en-US" altLang="ko-KR" sz="1050" dirty="0">
-                <a:ea typeface="현대하모니 M" panose="02020603020101020101"/>
-              </a:rPr>
-              <a:t>RET</a:t>
+              <a:rPr lang="en-US" altLang="ko-KR" sz="1400" dirty="0"/>
+              <a:t>ADV</a:t>
             </a:r>
           </a:p>
           <a:p>
             <a:pPr algn="ctr"/>
             <a:r>
-              <a:rPr lang="en-US" altLang="ko-KR" sz="1050" dirty="0">
-                <a:ea typeface="현대하모니 M" panose="02020603020101020101"/>
-              </a:rPr>
-              <a:t>[</a:t>
-            </a:r>
-            <a:r>
-              <a:rPr lang="en-US" altLang="ko-KR" sz="1050" dirty="0"/>
-              <a:t>SpringPower </a:t>
-            </a:r>
-            <a:r>
-              <a:rPr lang="en-US" altLang="ko-KR" sz="1050" dirty="0">
-                <a:ea typeface="현대하모니 M" panose="02020603020101020101"/>
-              </a:rPr>
-              <a:t>~ </a:t>
-            </a:r>
-            <a:r>
-              <a:rPr lang="en-US" altLang="ko-KR" sz="1050" dirty="0"/>
-              <a:t>SpringPower</a:t>
-            </a:r>
-            <a:r>
-              <a:rPr lang="en-US" altLang="ko-KR" sz="1050" dirty="0">
-                <a:ea typeface="현대하모니 M" panose="02020603020101020101"/>
-              </a:rPr>
-              <a:t>]</a:t>
-            </a:r>
-            <a:endParaRPr lang="ko-KR" altLang="en-US" sz="1050" dirty="0">
-              <a:ea typeface="현대하모니 M" panose="02020603020101020101"/>
-            </a:endParaRPr>
-          </a:p>
-        </p:txBody>
-      </p:sp>
-      <p:cxnSp>
-        <p:nvCxnSpPr>
-          <p:cNvPr id="82" name="연결선: 꺾임 81">
-            <a:extLst>
-              <a:ext uri="{FF2B5EF4-FFF2-40B4-BE49-F238E27FC236}">
-                <a16:creationId xmlns:a16="http://schemas.microsoft.com/office/drawing/2014/main" id="{F7145B42-2C09-D6CE-2298-12CF80CB6686}"/>
-              </a:ext>
-            </a:extLst>
-          </p:cNvPr>
-          <p:cNvCxnSpPr>
-            <a:cxnSpLocks/>
-            <a:stCxn id="81" idx="1"/>
-            <a:endCxn id="80" idx="1"/>
-          </p:cNvCxnSpPr>
-          <p:nvPr/>
-        </p:nvCxnSpPr>
-        <p:spPr>
-          <a:xfrm rot="10800000" flipH="1">
-            <a:off x="9535384" y="2581103"/>
-            <a:ext cx="1" cy="779478"/>
-          </a:xfrm>
-          <a:prstGeom prst="bentConnector3">
-            <a:avLst>
-              <a:gd name="adj1" fmla="val -22860000000"/>
-            </a:avLst>
-          </a:prstGeom>
-          <a:ln w="57150" cmpd="dbl">
-            <a:solidFill>
-              <a:schemeClr val="accent6"/>
-            </a:solidFill>
-            <a:prstDash val="dash"/>
-            <a:headEnd type="triangle" w="med" len="med"/>
-            <a:tailEnd type="triangle" w="med" len="med"/>
-          </a:ln>
-        </p:spPr>
-        <p:style>
-          <a:lnRef idx="1">
-            <a:schemeClr val="accent1"/>
-          </a:lnRef>
-          <a:fillRef idx="0">
-            <a:schemeClr val="accent1"/>
-          </a:fillRef>
-          <a:effectRef idx="0">
-            <a:schemeClr val="accent1"/>
-          </a:effectRef>
-          <a:fontRef idx="minor">
-            <a:schemeClr val="tx1"/>
-          </a:fontRef>
-        </p:style>
-      </p:cxnSp>
-      <p:cxnSp>
-        <p:nvCxnSpPr>
-          <p:cNvPr id="12" name="연결선: 꺾임 11">
-            <a:extLst>
-              <a:ext uri="{FF2B5EF4-FFF2-40B4-BE49-F238E27FC236}">
-                <a16:creationId xmlns:a16="http://schemas.microsoft.com/office/drawing/2014/main" id="{7F33A159-63C2-73E5-0693-383E04CD8793}"/>
-              </a:ext>
-            </a:extLst>
-          </p:cNvPr>
-          <p:cNvCxnSpPr>
-            <a:cxnSpLocks/>
-            <a:stCxn id="67" idx="0"/>
-            <a:endCxn id="56" idx="2"/>
-          </p:cNvCxnSpPr>
-          <p:nvPr/>
-        </p:nvCxnSpPr>
-        <p:spPr>
-          <a:xfrm rot="16200000" flipV="1">
-            <a:off x="2204322" y="4332590"/>
-            <a:ext cx="1089996" cy="540306"/>
-          </a:xfrm>
-          <a:prstGeom prst="bentConnector3">
-            <a:avLst>
-              <a:gd name="adj1" fmla="val 50000"/>
-            </a:avLst>
-          </a:prstGeom>
-          <a:ln w="57150" cmpd="dbl">
-            <a:solidFill>
-              <a:schemeClr val="accent6"/>
-            </a:solidFill>
-            <a:prstDash val="dash"/>
-            <a:headEnd type="triangle" w="med" len="med"/>
-            <a:tailEnd type="triangle" w="med" len="med"/>
-          </a:ln>
-        </p:spPr>
-        <p:style>
-          <a:lnRef idx="1">
-            <a:schemeClr val="accent1"/>
-          </a:lnRef>
-          <a:fillRef idx="0">
-            <a:schemeClr val="accent1"/>
-          </a:fillRef>
-          <a:effectRef idx="0">
-            <a:schemeClr val="accent1"/>
-          </a:effectRef>
-          <a:fontRef idx="minor">
-            <a:schemeClr val="tx1"/>
-          </a:fontRef>
-        </p:style>
-      </p:cxnSp>
+              <a:rPr lang="en-US" altLang="ko-KR" sz="1400" dirty="0"/>
+              <a:t>[SpringPower ~ SpringPower]</a:t>
+            </a:r>
+            <a:endParaRPr lang="ko-KR" altLang="en-US" sz="1400" dirty="0"/>
+          </a:p>
+        </p:txBody>
+      </p:sp>
       <p:pic>
         <p:nvPicPr>
           <p:cNvPr id="5" name="그림 4">
@@ -7633,6 +7462,100 @@
           </a:prstGeom>
         </p:spPr>
       </p:pic>
+      <p:cxnSp>
+        <p:nvCxnSpPr>
+          <p:cNvPr id="3" name="연결선: 꺾임 2">
+            <a:extLst>
+              <a:ext uri="{FF2B5EF4-FFF2-40B4-BE49-F238E27FC236}">
+                <a16:creationId xmlns:a16="http://schemas.microsoft.com/office/drawing/2014/main" id="{A89DCBCD-A467-2772-3752-B8F5CD3ED20C}"/>
+              </a:ext>
+            </a:extLst>
+          </p:cNvPr>
+          <p:cNvCxnSpPr>
+            <a:cxnSpLocks/>
+            <a:stCxn id="81" idx="3"/>
+            <a:endCxn id="80" idx="3"/>
+          </p:cNvCxnSpPr>
+          <p:nvPr/>
+        </p:nvCxnSpPr>
+        <p:spPr>
+          <a:xfrm flipV="1">
+            <a:off x="11747182" y="2715273"/>
+            <a:ext cx="1" cy="779478"/>
+          </a:xfrm>
+          <a:prstGeom prst="bentConnector3">
+            <a:avLst>
+              <a:gd name="adj1" fmla="val 22860100000"/>
+            </a:avLst>
+          </a:prstGeom>
+          <a:ln w="25400">
+            <a:prstDash val="dash"/>
+            <a:headEnd type="triangle" w="lg" len="lg"/>
+            <a:tailEnd type="triangle" w="lg" len="lg"/>
+          </a:ln>
+        </p:spPr>
+        <p:style>
+          <a:lnRef idx="1">
+            <a:schemeClr val="accent1"/>
+          </a:lnRef>
+          <a:fillRef idx="0">
+            <a:schemeClr val="accent1"/>
+          </a:fillRef>
+          <a:effectRef idx="0">
+            <a:schemeClr val="accent1"/>
+          </a:effectRef>
+          <a:fontRef idx="minor">
+            <a:schemeClr val="tx1"/>
+          </a:fontRef>
+        </p:style>
+      </p:cxnSp>
+      <p:cxnSp>
+        <p:nvCxnSpPr>
+          <p:cNvPr id="4" name="연결선: 꺾임 3">
+            <a:extLst>
+              <a:ext uri="{FF2B5EF4-FFF2-40B4-BE49-F238E27FC236}">
+                <a16:creationId xmlns:a16="http://schemas.microsoft.com/office/drawing/2014/main" id="{44C099FF-B0E9-C18A-FBEC-0DE8EDC7503B}"/>
+              </a:ext>
+            </a:extLst>
+          </p:cNvPr>
+          <p:cNvCxnSpPr>
+            <a:cxnSpLocks/>
+            <a:stCxn id="56" idx="2"/>
+            <a:endCxn id="67" idx="0"/>
+          </p:cNvCxnSpPr>
+          <p:nvPr/>
+        </p:nvCxnSpPr>
+        <p:spPr>
+          <a:xfrm rot="16200000" flipH="1">
+            <a:off x="2204322" y="4332590"/>
+            <a:ext cx="1089996" cy="540306"/>
+          </a:xfrm>
+          <a:prstGeom prst="bentConnector3">
+            <a:avLst>
+              <a:gd name="adj1" fmla="val 50000"/>
+            </a:avLst>
+          </a:prstGeom>
+          <a:ln w="25400">
+            <a:prstDash val="dash"/>
+            <a:headEnd type="triangle" w="lg" len="lg"/>
+            <a:tailEnd type="triangle" w="lg" len="lg"/>
+          </a:ln>
+        </p:spPr>
+        <p:style>
+          <a:lnRef idx="1">
+            <a:schemeClr val="accent1"/>
+          </a:lnRef>
+          <a:fillRef idx="0">
+            <a:schemeClr val="accent1"/>
+          </a:fillRef>
+          <a:effectRef idx="0">
+            <a:schemeClr val="accent1"/>
+          </a:effectRef>
+          <a:fontRef idx="minor">
+            <a:schemeClr val="tx1"/>
+          </a:fontRef>
+        </p:style>
+      </p:cxnSp>
     </p:spTree>
     <p:extLst>
       <p:ext uri="{BB962C8B-B14F-4D97-AF65-F5344CB8AC3E}">
